--- a/slides/day2_intro_to_tidyverse.pptx
+++ b/slides/day2_intro_to_tidyverse.pptx
@@ -5,7 +5,7 @@
     <p:sldMasterId id="2147483852" r:id="rId1"/>
   </p:sldMasterIdLst>
   <p:notesMasterIdLst>
-    <p:notesMasterId r:id="rId36"/>
+    <p:notesMasterId r:id="rId45"/>
   </p:notesMasterIdLst>
   <p:sldIdLst>
     <p:sldId id="258" r:id="rId2"/>
@@ -39,9 +39,18 @@
     <p:sldId id="297" r:id="rId30"/>
     <p:sldId id="298" r:id="rId31"/>
     <p:sldId id="299" r:id="rId32"/>
-    <p:sldId id="300" r:id="rId33"/>
-    <p:sldId id="302" r:id="rId34"/>
-    <p:sldId id="301" r:id="rId35"/>
+    <p:sldId id="306" r:id="rId33"/>
+    <p:sldId id="307" r:id="rId34"/>
+    <p:sldId id="308" r:id="rId35"/>
+    <p:sldId id="300" r:id="rId36"/>
+    <p:sldId id="304" r:id="rId37"/>
+    <p:sldId id="302" r:id="rId38"/>
+    <p:sldId id="301" r:id="rId39"/>
+    <p:sldId id="309" r:id="rId40"/>
+    <p:sldId id="310" r:id="rId41"/>
+    <p:sldId id="311" r:id="rId42"/>
+    <p:sldId id="303" r:id="rId43"/>
+    <p:sldId id="305" r:id="rId44"/>
   </p:sldIdLst>
   <p:sldSz cx="12192000" cy="6858000"/>
   <p:notesSz cx="6858000" cy="9144000"/>
@@ -230,7 +239,7 @@
           <a:p>
             <a:fld id="{2BB92E81-AA2E-714C-9612-8B6C5D9DE73B}" type="datetimeFigureOut">
               <a:rPr lang="en-US" smtClean="0"/>
-              <a:t>8/30/17</a:t>
+              <a:t>9/4/17</a:t>
             </a:fld>
             <a:endParaRPr lang="en-US"/>
           </a:p>
@@ -563,7 +572,7 @@
           <a:p>
             <a:fld id="{882D69CC-F9EC-864D-B462-4858A38B56AD}" type="slidenum">
               <a:rPr lang="en-US" smtClean="0"/>
-              <a:t>32</a:t>
+              <a:t>35</a:t>
             </a:fld>
             <a:endParaRPr lang="en-US"/>
           </a:p>
@@ -808,7 +817,7 @@
           <a:p>
             <a:fld id="{C273D10D-8B30-CE4D-869B-BCEF778BFD2B}" type="datetimeFigureOut">
               <a:rPr lang="en-US" smtClean="0"/>
-              <a:t>8/30/17</a:t>
+              <a:t>9/4/17</a:t>
             </a:fld>
             <a:endParaRPr lang="en-US"/>
           </a:p>
@@ -1011,7 +1020,7 @@
           <a:p>
             <a:fld id="{C273D10D-8B30-CE4D-869B-BCEF778BFD2B}" type="datetimeFigureOut">
               <a:rPr lang="en-US" smtClean="0"/>
-              <a:t>8/30/17</a:t>
+              <a:t>9/4/17</a:t>
             </a:fld>
             <a:endParaRPr lang="en-US"/>
           </a:p>
@@ -1262,7 +1271,7 @@
           <a:p>
             <a:fld id="{C273D10D-8B30-CE4D-869B-BCEF778BFD2B}" type="datetimeFigureOut">
               <a:rPr lang="en-US" smtClean="0"/>
-              <a:t>8/30/17</a:t>
+              <a:t>9/4/17</a:t>
             </a:fld>
             <a:endParaRPr lang="en-US"/>
           </a:p>
@@ -1440,7 +1449,7 @@
           <a:p>
             <a:fld id="{C273D10D-8B30-CE4D-869B-BCEF778BFD2B}" type="datetimeFigureOut">
               <a:rPr lang="en-US" smtClean="0"/>
-              <a:t>8/30/17</a:t>
+              <a:t>9/4/17</a:t>
             </a:fld>
             <a:endParaRPr lang="en-US"/>
           </a:p>
@@ -1785,7 +1794,7 @@
           <a:p>
             <a:fld id="{C273D10D-8B30-CE4D-869B-BCEF778BFD2B}" type="datetimeFigureOut">
               <a:rPr lang="en-US" smtClean="0"/>
-              <a:t>8/30/17</a:t>
+              <a:t>9/4/17</a:t>
             </a:fld>
             <a:endParaRPr lang="en-US"/>
           </a:p>
@@ -2055,7 +2064,7 @@
           <a:p>
             <a:fld id="{C273D10D-8B30-CE4D-869B-BCEF778BFD2B}" type="datetimeFigureOut">
               <a:rPr lang="en-US" smtClean="0"/>
-              <a:t>8/30/17</a:t>
+              <a:t>9/4/17</a:t>
             </a:fld>
             <a:endParaRPr lang="en-US"/>
           </a:p>
@@ -2429,7 +2438,7 @@
           <a:p>
             <a:fld id="{C273D10D-8B30-CE4D-869B-BCEF778BFD2B}" type="datetimeFigureOut">
               <a:rPr lang="en-US" smtClean="0"/>
-              <a:t>8/30/17</a:t>
+              <a:t>9/4/17</a:t>
             </a:fld>
             <a:endParaRPr lang="en-US"/>
           </a:p>
@@ -2542,7 +2551,7 @@
           <a:p>
             <a:fld id="{C273D10D-8B30-CE4D-869B-BCEF778BFD2B}" type="datetimeFigureOut">
               <a:rPr lang="en-US" smtClean="0"/>
-              <a:t>8/30/17</a:t>
+              <a:t>9/4/17</a:t>
             </a:fld>
             <a:endParaRPr lang="en-US"/>
           </a:p>
@@ -2708,7 +2717,7 @@
           <a:p>
             <a:fld id="{C273D10D-8B30-CE4D-869B-BCEF778BFD2B}" type="datetimeFigureOut">
               <a:rPr lang="en-US" smtClean="0"/>
-              <a:t>8/30/17</a:t>
+              <a:t>9/4/17</a:t>
             </a:fld>
             <a:endParaRPr lang="en-US"/>
           </a:p>
@@ -3057,7 +3066,7 @@
           <a:p>
             <a:fld id="{C273D10D-8B30-CE4D-869B-BCEF778BFD2B}" type="datetimeFigureOut">
               <a:rPr lang="en-US" smtClean="0"/>
-              <a:t>8/30/17</a:t>
+              <a:t>9/4/17</a:t>
             </a:fld>
             <a:endParaRPr lang="en-US"/>
           </a:p>
@@ -3429,7 +3438,7 @@
           <a:p>
             <a:fld id="{C273D10D-8B30-CE4D-869B-BCEF778BFD2B}" type="datetimeFigureOut">
               <a:rPr lang="en-US" smtClean="0"/>
-              <a:t>8/30/17</a:t>
+              <a:t>9/4/17</a:t>
             </a:fld>
             <a:endParaRPr lang="en-US"/>
           </a:p>
@@ -3716,7 +3725,7 @@
           <a:p>
             <a:fld id="{C273D10D-8B30-CE4D-869B-BCEF778BFD2B}" type="datetimeFigureOut">
               <a:rPr lang="en-US" smtClean="0"/>
-              <a:t>8/30/17</a:t>
+              <a:t>9/4/17</a:t>
             </a:fld>
             <a:endParaRPr lang="en-US"/>
           </a:p>
@@ -4284,25 +4293,37 @@
           <a:p>
             <a:r>
               <a:rPr lang="en-US" dirty="0" smtClean="0"/>
-              <a:t>bio5312 Fall2017</a:t>
-            </a:r>
-          </a:p>
-          <a:p>
+              <a:t>bio5312 </a:t>
+            </a:r>
             <a:r>
               <a:rPr lang="en-US" dirty="0" smtClean="0"/>
-              <a:t>Dr. </a:t>
-            </a:r>
+              <a:t>Fall2017</a:t>
+            </a:r>
+          </a:p>
+          <a:p>
             <a:r>
               <a:rPr lang="en-US" dirty="0" err="1" smtClean="0"/>
               <a:t>stephanie</a:t>
             </a:r>
             <a:r>
               <a:rPr lang="en-US" dirty="0" smtClean="0"/>
-              <a:t> j. </a:t>
+              <a:t> </a:t>
+            </a:r>
+            <a:r>
+              <a:rPr lang="en-US" dirty="0" smtClean="0"/>
+              <a:t>j. </a:t>
             </a:r>
             <a:r>
               <a:rPr lang="en-US" dirty="0" err="1" smtClean="0"/>
               <a:t>spielman</a:t>
+            </a:r>
+            <a:r>
+              <a:rPr lang="en-US" dirty="0" smtClean="0"/>
+              <a:t>, </a:t>
+            </a:r>
+            <a:r>
+              <a:rPr lang="en-US" dirty="0" err="1" smtClean="0"/>
+              <a:t>phD</a:t>
             </a:r>
             <a:endParaRPr lang="en-US" dirty="0"/>
           </a:p>
@@ -4405,11 +4426,6 @@
               </a:rPr>
               <a:t>&gt; ggplot(iris, aes(x = Sepal.Length, y = Petal.Length)) + geom_point()</a:t>
             </a:r>
-            <a:endParaRPr lang="is-IS" sz="1600" b="1" dirty="0" smtClean="0">
-              <a:latin typeface="Monaco" charset="0"/>
-              <a:ea typeface="Monaco" charset="0"/>
-              <a:cs typeface="Monaco" charset="0"/>
-            </a:endParaRPr>
           </a:p>
         </p:txBody>
       </p:sp>
@@ -4589,14 +4605,6 @@
               </a:rPr>
               <a:t>geom_point()</a:t>
             </a:r>
-            <a:endParaRPr lang="is-IS" sz="1600" b="1" dirty="0" smtClean="0">
-              <a:solidFill>
-                <a:srgbClr val="7030A0"/>
-              </a:solidFill>
-              <a:latin typeface="Monaco" charset="0"/>
-              <a:ea typeface="Monaco" charset="0"/>
-              <a:cs typeface="Monaco" charset="0"/>
-            </a:endParaRPr>
           </a:p>
         </p:txBody>
       </p:sp>
@@ -4838,11 +4846,6 @@
               </a:rPr>
               <a:t>)</a:t>
             </a:r>
-            <a:endParaRPr lang="is-IS" sz="1600" b="1" dirty="0" smtClean="0">
-              <a:latin typeface="Monaco" charset="0"/>
-              <a:ea typeface="Monaco" charset="0"/>
-              <a:cs typeface="Monaco" charset="0"/>
-            </a:endParaRPr>
           </a:p>
         </p:txBody>
       </p:sp>
@@ -5000,11 +5003,6 @@
               </a:rPr>
               <a:t>)) + geom_point()</a:t>
             </a:r>
-            <a:endParaRPr lang="is-IS" sz="1600" b="1" dirty="0" smtClean="0">
-              <a:latin typeface="Monaco" charset="0"/>
-              <a:ea typeface="Monaco" charset="0"/>
-              <a:cs typeface="Monaco" charset="0"/>
-            </a:endParaRPr>
           </a:p>
         </p:txBody>
       </p:sp>
@@ -5222,11 +5220,6 @@
               </a:rPr>
               <a:t>)) + geom_point()</a:t>
             </a:r>
-            <a:endParaRPr lang="is-IS" sz="1600" b="1" dirty="0" smtClean="0">
-              <a:latin typeface="Monaco" charset="0"/>
-              <a:ea typeface="Monaco" charset="0"/>
-              <a:cs typeface="Monaco" charset="0"/>
-            </a:endParaRPr>
           </a:p>
         </p:txBody>
       </p:sp>
@@ -6252,36 +6245,6 @@
           </a:prstGeom>
         </p:spPr>
       </p:pic>
-      <p:pic>
-        <p:nvPicPr>
-          <p:cNvPr id="7" name="Picture 6"/>
-          <p:cNvPicPr>
-            <a:picLocks noChangeAspect="1"/>
-          </p:cNvPicPr>
-          <p:nvPr/>
-        </p:nvPicPr>
-        <p:blipFill>
-          <a:blip r:embed="rId3">
-            <a:extLst>
-              <a:ext uri="{28A0092B-C50C-407E-A947-70E740481C1C}">
-                <a14:useLocalDpi xmlns:a14="http://schemas.microsoft.com/office/drawing/2010/main" val="0"/>
-              </a:ext>
-            </a:extLst>
-          </a:blip>
-          <a:stretch>
-            <a:fillRect/>
-          </a:stretch>
-        </p:blipFill>
-        <p:spPr>
-          <a:xfrm>
-            <a:off x="5546436" y="6403175"/>
-            <a:ext cx="7404100" cy="2870200"/>
-          </a:xfrm>
-          <a:prstGeom prst="rect">
-            <a:avLst/>
-          </a:prstGeom>
-        </p:spPr>
-      </p:pic>
     </p:spTree>
     <p:extLst>
       <p:ext uri="{BB962C8B-B14F-4D97-AF65-F5344CB8AC3E}">
@@ -6644,11 +6607,7 @@
             </a:r>
             <a:r>
               <a:rPr lang="en-US" dirty="0" smtClean="0"/>
-              <a:t> </a:t>
-            </a:r>
-            <a:r>
-              <a:rPr lang="en-US" dirty="0" smtClean="0"/>
-              <a:t>and </a:t>
+              <a:t> and </a:t>
             </a:r>
             <a:r>
               <a:rPr lang="en-US" sz="2400" dirty="0" err="1" smtClean="0">
@@ -9772,6 +9731,1510 @@
             <p:ph type="title"/>
           </p:nvPr>
         </p:nvSpPr>
+        <p:spPr/>
+        <p:txBody>
+          <a:bodyPr/>
+          <a:lstStyle/>
+          <a:p>
+            <a:r>
+              <a:rPr lang="en-US" dirty="0" smtClean="0"/>
+              <a:t>Grouped boxplots</a:t>
+            </a:r>
+            <a:endParaRPr lang="en-US" dirty="0"/>
+          </a:p>
+        </p:txBody>
+      </p:sp>
+      <p:sp>
+        <p:nvSpPr>
+          <p:cNvPr id="3" name="Content Placeholder 2"/>
+          <p:cNvSpPr>
+            <a:spLocks noGrp="1"/>
+          </p:cNvSpPr>
+          <p:nvPr>
+            <p:ph idx="1"/>
+          </p:nvPr>
+        </p:nvSpPr>
+        <p:spPr/>
+        <p:txBody>
+          <a:bodyPr/>
+          <a:lstStyle/>
+          <a:p>
+            <a:r>
+              <a:rPr lang="en-US" dirty="0" smtClean="0"/>
+              <a:t>This will apply to violin plots as well.</a:t>
+            </a:r>
+            <a:endParaRPr lang="en-US" dirty="0"/>
+          </a:p>
+        </p:txBody>
+      </p:sp>
+      <p:sp>
+        <p:nvSpPr>
+          <p:cNvPr id="4" name="TextBox 3"/>
+          <p:cNvSpPr txBox="1"/>
+          <p:nvPr/>
+        </p:nvSpPr>
+        <p:spPr>
+          <a:xfrm>
+            <a:off x="1097280" y="2359636"/>
+            <a:ext cx="11094720" cy="4154984"/>
+          </a:xfrm>
+          <a:prstGeom prst="rect">
+            <a:avLst/>
+          </a:prstGeom>
+          <a:noFill/>
+        </p:spPr>
+        <p:txBody>
+          <a:bodyPr wrap="square" rtlCol="0">
+            <a:spAutoFit/>
+          </a:bodyPr>
+          <a:lstStyle/>
+          <a:p>
+            <a:pPr marL="285750" indent="-285750">
+              <a:buFont typeface=".AppleSystemUIFont" charset="-120"/>
+              <a:buChar char="&gt;"/>
+            </a:pPr>
+            <a:r>
+              <a:rPr lang="is-IS" sz="1600" b="1" dirty="0" smtClean="0">
+                <a:latin typeface="Monaco" charset="0"/>
+                <a:ea typeface="Monaco" charset="0"/>
+                <a:cs typeface="Monaco" charset="0"/>
+              </a:rPr>
+              <a:t>## Create another categorical variable for grouping purpopses</a:t>
+            </a:r>
+          </a:p>
+          <a:p>
+            <a:pPr marL="285750" indent="-285750">
+              <a:buFont typeface=".AppleSystemUIFont" charset="-120"/>
+              <a:buChar char="&gt;"/>
+            </a:pPr>
+            <a:r>
+              <a:rPr lang="is-IS" sz="1600" b="1" dirty="0" smtClean="0">
+                <a:latin typeface="Monaco" charset="0"/>
+                <a:ea typeface="Monaco" charset="0"/>
+                <a:cs typeface="Monaco" charset="0"/>
+              </a:rPr>
+              <a:t>iris %&gt;% </a:t>
+            </a:r>
+          </a:p>
+          <a:p>
+            <a:pPr lvl="1"/>
+            <a:r>
+              <a:rPr lang="is-IS" sz="1600" b="1" dirty="0" smtClean="0">
+                <a:latin typeface="Monaco" charset="0"/>
+                <a:ea typeface="Monaco" charset="0"/>
+                <a:cs typeface="Monaco" charset="0"/>
+              </a:rPr>
+              <a:t>group_by(Species) %&gt;%</a:t>
+            </a:r>
+          </a:p>
+          <a:p>
+            <a:pPr lvl="1"/>
+            <a:r>
+              <a:rPr lang="is-IS" sz="1600" b="1" dirty="0" smtClean="0">
+                <a:latin typeface="Monaco" charset="0"/>
+                <a:ea typeface="Monaco" charset="0"/>
+                <a:cs typeface="Monaco" charset="0"/>
+              </a:rPr>
+              <a:t>mutate(size = ifelse( </a:t>
+            </a:r>
+            <a:r>
+              <a:rPr lang="is-IS" sz="1600" b="1" dirty="0" smtClean="0">
+                <a:solidFill>
+                  <a:schemeClr val="accent5"/>
+                </a:solidFill>
+                <a:latin typeface="Monaco" charset="0"/>
+                <a:ea typeface="Monaco" charset="0"/>
+                <a:cs typeface="Monaco" charset="0"/>
+              </a:rPr>
+              <a:t>Sepal.Width &gt; median(Sepal.Width) </a:t>
+            </a:r>
+            <a:r>
+              <a:rPr lang="is-IS" sz="1600" b="1" dirty="0" smtClean="0">
+                <a:latin typeface="Monaco" charset="0"/>
+                <a:ea typeface="Monaco" charset="0"/>
+                <a:cs typeface="Monaco" charset="0"/>
+              </a:rPr>
+              <a:t>, </a:t>
+            </a:r>
+            <a:r>
+              <a:rPr lang="is-IS" sz="1600" b="1" dirty="0" smtClean="0">
+                <a:solidFill>
+                  <a:schemeClr val="tx2">
+                    <a:lumMod val="60000"/>
+                    <a:lumOff val="40000"/>
+                  </a:schemeClr>
+                </a:solidFill>
+                <a:latin typeface="Monaco" charset="0"/>
+                <a:ea typeface="Monaco" charset="0"/>
+                <a:cs typeface="Monaco" charset="0"/>
+              </a:rPr>
+              <a:t>"big" </a:t>
+            </a:r>
+            <a:r>
+              <a:rPr lang="is-IS" sz="1600" b="1" dirty="0" smtClean="0">
+                <a:latin typeface="Monaco" charset="0"/>
+                <a:ea typeface="Monaco" charset="0"/>
+                <a:cs typeface="Monaco" charset="0"/>
+              </a:rPr>
+              <a:t>, </a:t>
+            </a:r>
+            <a:r>
+              <a:rPr lang="is-IS" sz="1600" b="1" dirty="0" smtClean="0">
+                <a:solidFill>
+                  <a:srgbClr val="C00000"/>
+                </a:solidFill>
+                <a:latin typeface="Monaco" charset="0"/>
+                <a:ea typeface="Monaco" charset="0"/>
+                <a:cs typeface="Monaco" charset="0"/>
+              </a:rPr>
+              <a:t>"small" </a:t>
+            </a:r>
+            <a:r>
+              <a:rPr lang="is-IS" sz="1600" b="1" dirty="0" smtClean="0">
+                <a:latin typeface="Monaco" charset="0"/>
+                <a:ea typeface="Monaco" charset="0"/>
+                <a:cs typeface="Monaco" charset="0"/>
+              </a:rPr>
+              <a:t>)) -&gt; iris2</a:t>
+            </a:r>
+          </a:p>
+          <a:p>
+            <a:pPr lvl="1"/>
+            <a:endParaRPr lang="is-IS" sz="1600" b="1" dirty="0">
+              <a:latin typeface="Monaco" charset="0"/>
+              <a:ea typeface="Monaco" charset="0"/>
+              <a:cs typeface="Monaco" charset="0"/>
+            </a:endParaRPr>
+          </a:p>
+          <a:p>
+            <a:pPr marL="285750" indent="-285750">
+              <a:buFont typeface=".AppleSystemUIFont" charset="-120"/>
+              <a:buChar char="&gt;"/>
+            </a:pPr>
+            <a:r>
+              <a:rPr lang="is-IS" sz="1600" b="1" dirty="0" smtClean="0">
+                <a:latin typeface="Monaco" charset="0"/>
+                <a:ea typeface="Monaco" charset="0"/>
+                <a:cs typeface="Monaco" charset="0"/>
+              </a:rPr>
+              <a:t>head(iris2) </a:t>
+            </a:r>
+            <a:endParaRPr lang="is-IS" sz="1200" b="1" dirty="0" smtClean="0">
+              <a:latin typeface="Monaco" charset="0"/>
+              <a:ea typeface="Monaco" charset="0"/>
+              <a:cs typeface="Monaco" charset="0"/>
+            </a:endParaRPr>
+          </a:p>
+          <a:p>
+            <a:pPr lvl="2"/>
+            <a:r>
+              <a:rPr lang="is-IS" sz="1300" dirty="0">
+                <a:latin typeface="Monaco" charset="0"/>
+                <a:ea typeface="Monaco" charset="0"/>
+                <a:cs typeface="Monaco" charset="0"/>
+              </a:rPr>
+              <a:t>Source: local data frame [150 x 6]</a:t>
+            </a:r>
+          </a:p>
+          <a:p>
+            <a:pPr lvl="2"/>
+            <a:r>
+              <a:rPr lang="is-IS" sz="1300" dirty="0">
+                <a:latin typeface="Monaco" charset="0"/>
+                <a:ea typeface="Monaco" charset="0"/>
+                <a:cs typeface="Monaco" charset="0"/>
+              </a:rPr>
+              <a:t>Groups: Species [3]</a:t>
+            </a:r>
+          </a:p>
+          <a:p>
+            <a:pPr lvl="2"/>
+            <a:r>
+              <a:rPr lang="is-IS" sz="1300" dirty="0">
+                <a:latin typeface="Monaco" charset="0"/>
+                <a:ea typeface="Monaco" charset="0"/>
+                <a:cs typeface="Monaco" charset="0"/>
+              </a:rPr>
+              <a:t/>
+            </a:r>
+            <a:br>
+              <a:rPr lang="is-IS" sz="1300" dirty="0">
+                <a:latin typeface="Monaco" charset="0"/>
+                <a:ea typeface="Monaco" charset="0"/>
+                <a:cs typeface="Monaco" charset="0"/>
+              </a:rPr>
+            </a:br>
+            <a:endParaRPr lang="is-IS" sz="1300" dirty="0">
+              <a:latin typeface="Monaco" charset="0"/>
+              <a:ea typeface="Monaco" charset="0"/>
+              <a:cs typeface="Monaco" charset="0"/>
+            </a:endParaRPr>
+          </a:p>
+          <a:p>
+            <a:pPr lvl="2"/>
+            <a:r>
+              <a:rPr lang="is-IS" sz="1300" dirty="0">
+                <a:latin typeface="Monaco" charset="0"/>
+                <a:ea typeface="Monaco" charset="0"/>
+                <a:cs typeface="Monaco" charset="0"/>
+              </a:rPr>
+              <a:t>   Sepal.Length Sepal.Width Petal.Length Petal.Width Species  size</a:t>
+            </a:r>
+          </a:p>
+          <a:p>
+            <a:pPr lvl="2"/>
+            <a:r>
+              <a:rPr lang="is-IS" sz="1300" dirty="0">
+                <a:latin typeface="Monaco" charset="0"/>
+                <a:ea typeface="Monaco" charset="0"/>
+                <a:cs typeface="Monaco" charset="0"/>
+              </a:rPr>
+              <a:t>          &lt;dbl&gt;       &lt;dbl&gt;        &lt;dbl&gt;       &lt;dbl&gt;  &lt;fctr&gt; &lt;chr&gt;</a:t>
+            </a:r>
+          </a:p>
+          <a:p>
+            <a:pPr lvl="2"/>
+            <a:r>
+              <a:rPr lang="is-IS" sz="1300" dirty="0">
+                <a:latin typeface="Monaco" charset="0"/>
+                <a:ea typeface="Monaco" charset="0"/>
+                <a:cs typeface="Monaco" charset="0"/>
+              </a:rPr>
+              <a:t>1           5.1         3.5          1.4         0.2  setosa   big</a:t>
+            </a:r>
+          </a:p>
+          <a:p>
+            <a:pPr lvl="2"/>
+            <a:r>
+              <a:rPr lang="is-IS" sz="1300" dirty="0">
+                <a:latin typeface="Monaco" charset="0"/>
+                <a:ea typeface="Monaco" charset="0"/>
+                <a:cs typeface="Monaco" charset="0"/>
+              </a:rPr>
+              <a:t>2           4.9         3.0          1.4         0.2  setosa small</a:t>
+            </a:r>
+          </a:p>
+          <a:p>
+            <a:pPr lvl="2"/>
+            <a:r>
+              <a:rPr lang="is-IS" sz="1300" dirty="0">
+                <a:latin typeface="Monaco" charset="0"/>
+                <a:ea typeface="Monaco" charset="0"/>
+                <a:cs typeface="Monaco" charset="0"/>
+              </a:rPr>
+              <a:t>3           4.7         3.2          1.3         0.2  setosa small</a:t>
+            </a:r>
+          </a:p>
+          <a:p>
+            <a:pPr lvl="2"/>
+            <a:r>
+              <a:rPr lang="is-IS" sz="1300" dirty="0">
+                <a:latin typeface="Monaco" charset="0"/>
+                <a:ea typeface="Monaco" charset="0"/>
+                <a:cs typeface="Monaco" charset="0"/>
+              </a:rPr>
+              <a:t>4           4.6         3.1          1.5         0.2  setosa small</a:t>
+            </a:r>
+          </a:p>
+          <a:p>
+            <a:pPr lvl="2"/>
+            <a:r>
+              <a:rPr lang="is-IS" sz="1300" dirty="0">
+                <a:latin typeface="Monaco" charset="0"/>
+                <a:ea typeface="Monaco" charset="0"/>
+                <a:cs typeface="Monaco" charset="0"/>
+              </a:rPr>
+              <a:t>5           5.0         3.6          1.4         0.2  setosa   big</a:t>
+            </a:r>
+          </a:p>
+          <a:p>
+            <a:pPr lvl="2"/>
+            <a:r>
+              <a:rPr lang="is-IS" sz="1300" dirty="0">
+                <a:latin typeface="Monaco" charset="0"/>
+                <a:ea typeface="Monaco" charset="0"/>
+                <a:cs typeface="Monaco" charset="0"/>
+              </a:rPr>
+              <a:t>6           5.4         3.9          1.7         0.4  setosa   big</a:t>
+            </a:r>
+          </a:p>
+          <a:p>
+            <a:pPr lvl="3"/>
+            <a:endParaRPr lang="is-IS" sz="1200" b="1" dirty="0" smtClean="0">
+              <a:latin typeface="Monaco" charset="0"/>
+              <a:ea typeface="Monaco" charset="0"/>
+              <a:cs typeface="Monaco" charset="0"/>
+            </a:endParaRPr>
+          </a:p>
+        </p:txBody>
+      </p:sp>
+      <p:sp>
+        <p:nvSpPr>
+          <p:cNvPr id="5" name="TextBox 4"/>
+          <p:cNvSpPr txBox="1"/>
+          <p:nvPr/>
+        </p:nvSpPr>
+        <p:spPr>
+          <a:xfrm>
+            <a:off x="5692878" y="3329132"/>
+            <a:ext cx="1120878" cy="369332"/>
+          </a:xfrm>
+          <a:prstGeom prst="rect">
+            <a:avLst/>
+          </a:prstGeom>
+          <a:noFill/>
+        </p:spPr>
+        <p:txBody>
+          <a:bodyPr wrap="square" rtlCol="0">
+            <a:spAutoFit/>
+          </a:bodyPr>
+          <a:lstStyle/>
+          <a:p>
+            <a:r>
+              <a:rPr lang="en-US" b="1" dirty="0" smtClean="0">
+                <a:solidFill>
+                  <a:schemeClr val="accent5"/>
+                </a:solidFill>
+              </a:rPr>
+              <a:t>Condition</a:t>
+            </a:r>
+            <a:endParaRPr lang="en-US" b="1" dirty="0">
+              <a:solidFill>
+                <a:schemeClr val="accent5"/>
+              </a:solidFill>
+            </a:endParaRPr>
+          </a:p>
+        </p:txBody>
+      </p:sp>
+      <p:sp>
+        <p:nvSpPr>
+          <p:cNvPr id="6" name="TextBox 5"/>
+          <p:cNvSpPr txBox="1"/>
+          <p:nvPr/>
+        </p:nvSpPr>
+        <p:spPr>
+          <a:xfrm>
+            <a:off x="8518669" y="3337217"/>
+            <a:ext cx="1120878" cy="646331"/>
+          </a:xfrm>
+          <a:prstGeom prst="rect">
+            <a:avLst/>
+          </a:prstGeom>
+          <a:noFill/>
+        </p:spPr>
+        <p:txBody>
+          <a:bodyPr wrap="square" rtlCol="0">
+            <a:spAutoFit/>
+          </a:bodyPr>
+          <a:lstStyle/>
+          <a:p>
+            <a:r>
+              <a:rPr lang="en-US" b="1" dirty="0" smtClean="0">
+                <a:solidFill>
+                  <a:schemeClr val="tx2">
+                    <a:lumMod val="60000"/>
+                    <a:lumOff val="40000"/>
+                  </a:schemeClr>
+                </a:solidFill>
+              </a:rPr>
+              <a:t>Value if TRUE</a:t>
+            </a:r>
+            <a:endParaRPr lang="en-US" b="1" dirty="0">
+              <a:solidFill>
+                <a:schemeClr val="tx2">
+                  <a:lumMod val="60000"/>
+                  <a:lumOff val="40000"/>
+                </a:schemeClr>
+              </a:solidFill>
+            </a:endParaRPr>
+          </a:p>
+        </p:txBody>
+      </p:sp>
+      <p:sp>
+        <p:nvSpPr>
+          <p:cNvPr id="7" name="TextBox 6"/>
+          <p:cNvSpPr txBox="1"/>
+          <p:nvPr/>
+        </p:nvSpPr>
+        <p:spPr>
+          <a:xfrm>
+            <a:off x="9837174" y="3337217"/>
+            <a:ext cx="1120878" cy="646331"/>
+          </a:xfrm>
+          <a:prstGeom prst="rect">
+            <a:avLst/>
+          </a:prstGeom>
+          <a:noFill/>
+        </p:spPr>
+        <p:txBody>
+          <a:bodyPr wrap="square" rtlCol="0">
+            <a:spAutoFit/>
+          </a:bodyPr>
+          <a:lstStyle/>
+          <a:p>
+            <a:r>
+              <a:rPr lang="en-US" b="1" dirty="0" smtClean="0">
+                <a:solidFill>
+                  <a:srgbClr val="C00000"/>
+                </a:solidFill>
+              </a:rPr>
+              <a:t>Value if FALSE</a:t>
+            </a:r>
+            <a:endParaRPr lang="en-US" b="1" dirty="0">
+              <a:solidFill>
+                <a:srgbClr val="C00000"/>
+              </a:solidFill>
+            </a:endParaRPr>
+          </a:p>
+        </p:txBody>
+      </p:sp>
+    </p:spTree>
+    <p:extLst>
+      <p:ext uri="{BB962C8B-B14F-4D97-AF65-F5344CB8AC3E}">
+        <p14:creationId xmlns:p14="http://schemas.microsoft.com/office/powerpoint/2010/main" val="1966987608"/>
+      </p:ext>
+    </p:extLst>
+  </p:cSld>
+  <p:clrMapOvr>
+    <a:masterClrMapping/>
+  </p:clrMapOvr>
+  <p:timing>
+    <p:tnLst>
+      <p:par>
+        <p:cTn id="1" dur="indefinite" restart="never" nodeType="tmRoot">
+          <p:childTnLst>
+            <p:seq concurrent="1" nextAc="seek">
+              <p:cTn id="2" dur="indefinite" nodeType="mainSeq">
+                <p:childTnLst>
+                  <p:par>
+                    <p:cTn id="3" fill="hold">
+                      <p:stCondLst>
+                        <p:cond delay="indefinite"/>
+                      </p:stCondLst>
+                      <p:childTnLst>
+                        <p:par>
+                          <p:cTn id="4" fill="hold">
+                            <p:stCondLst>
+                              <p:cond delay="0"/>
+                            </p:stCondLst>
+                            <p:childTnLst>
+                              <p:par>
+                                <p:cTn id="5" presetID="1" presetClass="entr" presetSubtype="0" fill="hold" nodeType="clickEffect">
+                                  <p:stCondLst>
+                                    <p:cond delay="0"/>
+                                  </p:stCondLst>
+                                  <p:childTnLst>
+                                    <p:set>
+                                      <p:cBhvr>
+                                        <p:cTn id="6" dur="1" fill="hold">
+                                          <p:stCondLst>
+                                            <p:cond delay="0"/>
+                                          </p:stCondLst>
+                                        </p:cTn>
+                                        <p:tgtEl>
+                                          <p:spTgt spid="4">
+                                            <p:txEl>
+                                              <p:pRg st="5" end="5"/>
+                                            </p:txEl>
+                                          </p:spTgt>
+                                        </p:tgtEl>
+                                        <p:attrNameLst>
+                                          <p:attrName>style.visibility</p:attrName>
+                                        </p:attrNameLst>
+                                      </p:cBhvr>
+                                      <p:to>
+                                        <p:strVal val="visible"/>
+                                      </p:to>
+                                    </p:set>
+                                  </p:childTnLst>
+                                </p:cTn>
+                              </p:par>
+                              <p:par>
+                                <p:cTn id="7" presetID="1" presetClass="entr" presetSubtype="0" fill="hold" nodeType="withEffect">
+                                  <p:stCondLst>
+                                    <p:cond delay="0"/>
+                                  </p:stCondLst>
+                                  <p:childTnLst>
+                                    <p:set>
+                                      <p:cBhvr>
+                                        <p:cTn id="8" dur="1" fill="hold">
+                                          <p:stCondLst>
+                                            <p:cond delay="0"/>
+                                          </p:stCondLst>
+                                        </p:cTn>
+                                        <p:tgtEl>
+                                          <p:spTgt spid="4">
+                                            <p:txEl>
+                                              <p:pRg st="6" end="6"/>
+                                            </p:txEl>
+                                          </p:spTgt>
+                                        </p:tgtEl>
+                                        <p:attrNameLst>
+                                          <p:attrName>style.visibility</p:attrName>
+                                        </p:attrNameLst>
+                                      </p:cBhvr>
+                                      <p:to>
+                                        <p:strVal val="visible"/>
+                                      </p:to>
+                                    </p:set>
+                                  </p:childTnLst>
+                                </p:cTn>
+                              </p:par>
+                              <p:par>
+                                <p:cTn id="9" presetID="1" presetClass="entr" presetSubtype="0" fill="hold" nodeType="withEffect">
+                                  <p:stCondLst>
+                                    <p:cond delay="0"/>
+                                  </p:stCondLst>
+                                  <p:childTnLst>
+                                    <p:set>
+                                      <p:cBhvr>
+                                        <p:cTn id="10" dur="1" fill="hold">
+                                          <p:stCondLst>
+                                            <p:cond delay="0"/>
+                                          </p:stCondLst>
+                                        </p:cTn>
+                                        <p:tgtEl>
+                                          <p:spTgt spid="4">
+                                            <p:txEl>
+                                              <p:pRg st="7" end="7"/>
+                                            </p:txEl>
+                                          </p:spTgt>
+                                        </p:tgtEl>
+                                        <p:attrNameLst>
+                                          <p:attrName>style.visibility</p:attrName>
+                                        </p:attrNameLst>
+                                      </p:cBhvr>
+                                      <p:to>
+                                        <p:strVal val="visible"/>
+                                      </p:to>
+                                    </p:set>
+                                  </p:childTnLst>
+                                </p:cTn>
+                              </p:par>
+                              <p:par>
+                                <p:cTn id="11" presetID="1" presetClass="entr" presetSubtype="0" fill="hold" nodeType="withEffect">
+                                  <p:stCondLst>
+                                    <p:cond delay="0"/>
+                                  </p:stCondLst>
+                                  <p:childTnLst>
+                                    <p:set>
+                                      <p:cBhvr>
+                                        <p:cTn id="12" dur="1" fill="hold">
+                                          <p:stCondLst>
+                                            <p:cond delay="0"/>
+                                          </p:stCondLst>
+                                        </p:cTn>
+                                        <p:tgtEl>
+                                          <p:spTgt spid="4">
+                                            <p:txEl>
+                                              <p:pRg st="8" end="8"/>
+                                            </p:txEl>
+                                          </p:spTgt>
+                                        </p:tgtEl>
+                                        <p:attrNameLst>
+                                          <p:attrName>style.visibility</p:attrName>
+                                        </p:attrNameLst>
+                                      </p:cBhvr>
+                                      <p:to>
+                                        <p:strVal val="visible"/>
+                                      </p:to>
+                                    </p:set>
+                                  </p:childTnLst>
+                                </p:cTn>
+                              </p:par>
+                              <p:par>
+                                <p:cTn id="13" presetID="1" presetClass="entr" presetSubtype="0" fill="hold" nodeType="withEffect">
+                                  <p:stCondLst>
+                                    <p:cond delay="0"/>
+                                  </p:stCondLst>
+                                  <p:childTnLst>
+                                    <p:set>
+                                      <p:cBhvr>
+                                        <p:cTn id="14" dur="1" fill="hold">
+                                          <p:stCondLst>
+                                            <p:cond delay="0"/>
+                                          </p:stCondLst>
+                                        </p:cTn>
+                                        <p:tgtEl>
+                                          <p:spTgt spid="4">
+                                            <p:txEl>
+                                              <p:pRg st="9" end="9"/>
+                                            </p:txEl>
+                                          </p:spTgt>
+                                        </p:tgtEl>
+                                        <p:attrNameLst>
+                                          <p:attrName>style.visibility</p:attrName>
+                                        </p:attrNameLst>
+                                      </p:cBhvr>
+                                      <p:to>
+                                        <p:strVal val="visible"/>
+                                      </p:to>
+                                    </p:set>
+                                  </p:childTnLst>
+                                </p:cTn>
+                              </p:par>
+                              <p:par>
+                                <p:cTn id="15" presetID="1" presetClass="entr" presetSubtype="0" fill="hold" nodeType="withEffect">
+                                  <p:stCondLst>
+                                    <p:cond delay="0"/>
+                                  </p:stCondLst>
+                                  <p:childTnLst>
+                                    <p:set>
+                                      <p:cBhvr>
+                                        <p:cTn id="16" dur="1" fill="hold">
+                                          <p:stCondLst>
+                                            <p:cond delay="0"/>
+                                          </p:stCondLst>
+                                        </p:cTn>
+                                        <p:tgtEl>
+                                          <p:spTgt spid="4">
+                                            <p:txEl>
+                                              <p:pRg st="10" end="10"/>
+                                            </p:txEl>
+                                          </p:spTgt>
+                                        </p:tgtEl>
+                                        <p:attrNameLst>
+                                          <p:attrName>style.visibility</p:attrName>
+                                        </p:attrNameLst>
+                                      </p:cBhvr>
+                                      <p:to>
+                                        <p:strVal val="visible"/>
+                                      </p:to>
+                                    </p:set>
+                                  </p:childTnLst>
+                                </p:cTn>
+                              </p:par>
+                              <p:par>
+                                <p:cTn id="17" presetID="1" presetClass="entr" presetSubtype="0" fill="hold" nodeType="withEffect">
+                                  <p:stCondLst>
+                                    <p:cond delay="0"/>
+                                  </p:stCondLst>
+                                  <p:childTnLst>
+                                    <p:set>
+                                      <p:cBhvr>
+                                        <p:cTn id="18" dur="1" fill="hold">
+                                          <p:stCondLst>
+                                            <p:cond delay="0"/>
+                                          </p:stCondLst>
+                                        </p:cTn>
+                                        <p:tgtEl>
+                                          <p:spTgt spid="4">
+                                            <p:txEl>
+                                              <p:pRg st="11" end="11"/>
+                                            </p:txEl>
+                                          </p:spTgt>
+                                        </p:tgtEl>
+                                        <p:attrNameLst>
+                                          <p:attrName>style.visibility</p:attrName>
+                                        </p:attrNameLst>
+                                      </p:cBhvr>
+                                      <p:to>
+                                        <p:strVal val="visible"/>
+                                      </p:to>
+                                    </p:set>
+                                  </p:childTnLst>
+                                </p:cTn>
+                              </p:par>
+                              <p:par>
+                                <p:cTn id="19" presetID="1" presetClass="entr" presetSubtype="0" fill="hold" nodeType="withEffect">
+                                  <p:stCondLst>
+                                    <p:cond delay="0"/>
+                                  </p:stCondLst>
+                                  <p:childTnLst>
+                                    <p:set>
+                                      <p:cBhvr>
+                                        <p:cTn id="20" dur="1" fill="hold">
+                                          <p:stCondLst>
+                                            <p:cond delay="0"/>
+                                          </p:stCondLst>
+                                        </p:cTn>
+                                        <p:tgtEl>
+                                          <p:spTgt spid="4">
+                                            <p:txEl>
+                                              <p:pRg st="12" end="12"/>
+                                            </p:txEl>
+                                          </p:spTgt>
+                                        </p:tgtEl>
+                                        <p:attrNameLst>
+                                          <p:attrName>style.visibility</p:attrName>
+                                        </p:attrNameLst>
+                                      </p:cBhvr>
+                                      <p:to>
+                                        <p:strVal val="visible"/>
+                                      </p:to>
+                                    </p:set>
+                                  </p:childTnLst>
+                                </p:cTn>
+                              </p:par>
+                              <p:par>
+                                <p:cTn id="21" presetID="1" presetClass="entr" presetSubtype="0" fill="hold" nodeType="withEffect">
+                                  <p:stCondLst>
+                                    <p:cond delay="0"/>
+                                  </p:stCondLst>
+                                  <p:childTnLst>
+                                    <p:set>
+                                      <p:cBhvr>
+                                        <p:cTn id="22" dur="1" fill="hold">
+                                          <p:stCondLst>
+                                            <p:cond delay="0"/>
+                                          </p:stCondLst>
+                                        </p:cTn>
+                                        <p:tgtEl>
+                                          <p:spTgt spid="4">
+                                            <p:txEl>
+                                              <p:pRg st="13" end="13"/>
+                                            </p:txEl>
+                                          </p:spTgt>
+                                        </p:tgtEl>
+                                        <p:attrNameLst>
+                                          <p:attrName>style.visibility</p:attrName>
+                                        </p:attrNameLst>
+                                      </p:cBhvr>
+                                      <p:to>
+                                        <p:strVal val="visible"/>
+                                      </p:to>
+                                    </p:set>
+                                  </p:childTnLst>
+                                </p:cTn>
+                              </p:par>
+                              <p:par>
+                                <p:cTn id="23" presetID="1" presetClass="entr" presetSubtype="0" fill="hold" nodeType="withEffect">
+                                  <p:stCondLst>
+                                    <p:cond delay="0"/>
+                                  </p:stCondLst>
+                                  <p:childTnLst>
+                                    <p:set>
+                                      <p:cBhvr>
+                                        <p:cTn id="24" dur="1" fill="hold">
+                                          <p:stCondLst>
+                                            <p:cond delay="0"/>
+                                          </p:stCondLst>
+                                        </p:cTn>
+                                        <p:tgtEl>
+                                          <p:spTgt spid="4">
+                                            <p:txEl>
+                                              <p:pRg st="14" end="14"/>
+                                            </p:txEl>
+                                          </p:spTgt>
+                                        </p:tgtEl>
+                                        <p:attrNameLst>
+                                          <p:attrName>style.visibility</p:attrName>
+                                        </p:attrNameLst>
+                                      </p:cBhvr>
+                                      <p:to>
+                                        <p:strVal val="visible"/>
+                                      </p:to>
+                                    </p:set>
+                                  </p:childTnLst>
+                                </p:cTn>
+                              </p:par>
+                              <p:par>
+                                <p:cTn id="25" presetID="1" presetClass="entr" presetSubtype="0" fill="hold" nodeType="withEffect">
+                                  <p:stCondLst>
+                                    <p:cond delay="0"/>
+                                  </p:stCondLst>
+                                  <p:childTnLst>
+                                    <p:set>
+                                      <p:cBhvr>
+                                        <p:cTn id="26" dur="1" fill="hold">
+                                          <p:stCondLst>
+                                            <p:cond delay="0"/>
+                                          </p:stCondLst>
+                                        </p:cTn>
+                                        <p:tgtEl>
+                                          <p:spTgt spid="4">
+                                            <p:txEl>
+                                              <p:pRg st="15" end="15"/>
+                                            </p:txEl>
+                                          </p:spTgt>
+                                        </p:tgtEl>
+                                        <p:attrNameLst>
+                                          <p:attrName>style.visibility</p:attrName>
+                                        </p:attrNameLst>
+                                      </p:cBhvr>
+                                      <p:to>
+                                        <p:strVal val="visible"/>
+                                      </p:to>
+                                    </p:set>
+                                  </p:childTnLst>
+                                </p:cTn>
+                              </p:par>
+                              <p:par>
+                                <p:cTn id="27" presetID="1" presetClass="entr" presetSubtype="0" fill="hold" nodeType="withEffect">
+                                  <p:stCondLst>
+                                    <p:cond delay="0"/>
+                                  </p:stCondLst>
+                                  <p:childTnLst>
+                                    <p:set>
+                                      <p:cBhvr>
+                                        <p:cTn id="28" dur="1" fill="hold">
+                                          <p:stCondLst>
+                                            <p:cond delay="0"/>
+                                          </p:stCondLst>
+                                        </p:cTn>
+                                        <p:tgtEl>
+                                          <p:spTgt spid="4">
+                                            <p:txEl>
+                                              <p:pRg st="16" end="16"/>
+                                            </p:txEl>
+                                          </p:spTgt>
+                                        </p:tgtEl>
+                                        <p:attrNameLst>
+                                          <p:attrName>style.visibility</p:attrName>
+                                        </p:attrNameLst>
+                                      </p:cBhvr>
+                                      <p:to>
+                                        <p:strVal val="visible"/>
+                                      </p:to>
+                                    </p:set>
+                                  </p:childTnLst>
+                                </p:cTn>
+                              </p:par>
+                            </p:childTnLst>
+                          </p:cTn>
+                        </p:par>
+                      </p:childTnLst>
+                    </p:cTn>
+                  </p:par>
+                </p:childTnLst>
+              </p:cTn>
+              <p:prevCondLst>
+                <p:cond evt="onPrev" delay="0">
+                  <p:tgtEl>
+                    <p:sldTgt/>
+                  </p:tgtEl>
+                </p:cond>
+              </p:prevCondLst>
+              <p:nextCondLst>
+                <p:cond evt="onNext" delay="0">
+                  <p:tgtEl>
+                    <p:sldTgt/>
+                  </p:tgtEl>
+                </p:cond>
+              </p:nextCondLst>
+            </p:seq>
+          </p:childTnLst>
+        </p:cTn>
+      </p:par>
+    </p:tnLst>
+  </p:timing>
+</p:sld>
+</file>
+
+<file path=ppt/slides/slide33.xml><?xml version="1.0" encoding="utf-8"?>
+<p:sld xmlns:a="http://schemas.openxmlformats.org/drawingml/2006/main" xmlns:r="http://schemas.openxmlformats.org/officeDocument/2006/relationships" xmlns:p="http://schemas.openxmlformats.org/presentationml/2006/main">
+  <p:cSld>
+    <p:spTree>
+      <p:nvGrpSpPr>
+        <p:cNvPr id="1" name=""/>
+        <p:cNvGrpSpPr/>
+        <p:nvPr/>
+      </p:nvGrpSpPr>
+      <p:grpSpPr>
+        <a:xfrm>
+          <a:off x="0" y="0"/>
+          <a:ext cx="0" cy="0"/>
+          <a:chOff x="0" y="0"/>
+          <a:chExt cx="0" cy="0"/>
+        </a:xfrm>
+      </p:grpSpPr>
+      <p:sp>
+        <p:nvSpPr>
+          <p:cNvPr id="2" name="Title 1"/>
+          <p:cNvSpPr>
+            <a:spLocks noGrp="1"/>
+          </p:cNvSpPr>
+          <p:nvPr>
+            <p:ph type="title"/>
+          </p:nvPr>
+        </p:nvSpPr>
+        <p:spPr/>
+        <p:txBody>
+          <a:bodyPr/>
+          <a:lstStyle/>
+          <a:p>
+            <a:r>
+              <a:rPr lang="en-US" dirty="0" smtClean="0"/>
+              <a:t>Grouped boxplots</a:t>
+            </a:r>
+            <a:endParaRPr lang="en-US" dirty="0"/>
+          </a:p>
+        </p:txBody>
+      </p:sp>
+      <p:sp>
+        <p:nvSpPr>
+          <p:cNvPr id="4" name="TextBox 3"/>
+          <p:cNvSpPr txBox="1"/>
+          <p:nvPr/>
+        </p:nvSpPr>
+        <p:spPr>
+          <a:xfrm>
+            <a:off x="925110" y="2016736"/>
+            <a:ext cx="11094720" cy="1323439"/>
+          </a:xfrm>
+          <a:prstGeom prst="rect">
+            <a:avLst/>
+          </a:prstGeom>
+          <a:noFill/>
+        </p:spPr>
+        <p:txBody>
+          <a:bodyPr wrap="square" rtlCol="0">
+            <a:spAutoFit/>
+          </a:bodyPr>
+          <a:lstStyle/>
+          <a:p>
+            <a:endParaRPr lang="is-IS" sz="1600" dirty="0">
+              <a:latin typeface="Monaco" charset="0"/>
+              <a:ea typeface="Monaco" charset="0"/>
+              <a:cs typeface="Monaco" charset="0"/>
+            </a:endParaRPr>
+          </a:p>
+          <a:p>
+            <a:r>
+              <a:rPr lang="en-US" sz="1600" b="1" dirty="0" smtClean="0">
+                <a:latin typeface="Monaco" charset="0"/>
+                <a:ea typeface="Monaco" charset="0"/>
+                <a:cs typeface="Monaco" charset="0"/>
+              </a:rPr>
+              <a:t>&gt; </a:t>
+            </a:r>
+            <a:r>
+              <a:rPr lang="en-US" sz="1600" b="1" dirty="0" err="1" smtClean="0">
+                <a:latin typeface="Monaco" charset="0"/>
+                <a:ea typeface="Monaco" charset="0"/>
+                <a:cs typeface="Monaco" charset="0"/>
+              </a:rPr>
+              <a:t>ggplot</a:t>
+            </a:r>
+            <a:r>
+              <a:rPr lang="en-US" sz="1600" b="1" dirty="0" smtClean="0">
+                <a:latin typeface="Monaco" charset="0"/>
+                <a:ea typeface="Monaco" charset="0"/>
+                <a:cs typeface="Monaco" charset="0"/>
+              </a:rPr>
+              <a:t>(iris2</a:t>
+            </a:r>
+            <a:r>
+              <a:rPr lang="en-US" sz="1600" b="1" dirty="0">
+                <a:latin typeface="Monaco" charset="0"/>
+                <a:ea typeface="Monaco" charset="0"/>
+                <a:cs typeface="Monaco" charset="0"/>
+              </a:rPr>
+              <a:t>, </a:t>
+            </a:r>
+            <a:r>
+              <a:rPr lang="en-US" sz="1600" b="1" dirty="0" err="1" smtClean="0">
+                <a:latin typeface="Monaco" charset="0"/>
+                <a:ea typeface="Monaco" charset="0"/>
+                <a:cs typeface="Monaco" charset="0"/>
+              </a:rPr>
+              <a:t>aes</a:t>
+            </a:r>
+            <a:r>
+              <a:rPr lang="en-US" sz="1600" b="1" dirty="0" smtClean="0">
+                <a:latin typeface="Monaco" charset="0"/>
+                <a:ea typeface="Monaco" charset="0"/>
+                <a:cs typeface="Monaco" charset="0"/>
+              </a:rPr>
+              <a:t>( </a:t>
+            </a:r>
+            <a:r>
+              <a:rPr lang="en-US" sz="1600" b="1" dirty="0" smtClean="0">
+                <a:solidFill>
+                  <a:schemeClr val="accent1"/>
+                </a:solidFill>
+                <a:latin typeface="Monaco" charset="0"/>
+                <a:ea typeface="Monaco" charset="0"/>
+                <a:cs typeface="Monaco" charset="0"/>
+              </a:rPr>
+              <a:t>x </a:t>
+            </a:r>
+            <a:r>
+              <a:rPr lang="en-US" sz="1600" b="1" dirty="0">
+                <a:solidFill>
+                  <a:schemeClr val="accent1"/>
+                </a:solidFill>
+                <a:latin typeface="Monaco" charset="0"/>
+                <a:ea typeface="Monaco" charset="0"/>
+                <a:cs typeface="Monaco" charset="0"/>
+              </a:rPr>
+              <a:t>= Species</a:t>
+            </a:r>
+            <a:r>
+              <a:rPr lang="en-US" sz="1600" b="1" dirty="0">
+                <a:latin typeface="Monaco" charset="0"/>
+                <a:ea typeface="Monaco" charset="0"/>
+                <a:cs typeface="Monaco" charset="0"/>
+              </a:rPr>
+              <a:t>, </a:t>
+            </a:r>
+            <a:r>
+              <a:rPr lang="en-US" sz="1600" b="1" dirty="0">
+                <a:solidFill>
+                  <a:srgbClr val="7030A0"/>
+                </a:solidFill>
+                <a:latin typeface="Monaco" charset="0"/>
+                <a:ea typeface="Monaco" charset="0"/>
+                <a:cs typeface="Monaco" charset="0"/>
+              </a:rPr>
+              <a:t>fill=size</a:t>
+            </a:r>
+            <a:r>
+              <a:rPr lang="en-US" sz="1600" b="1" dirty="0">
+                <a:latin typeface="Monaco" charset="0"/>
+                <a:ea typeface="Monaco" charset="0"/>
+                <a:cs typeface="Monaco" charset="0"/>
+              </a:rPr>
+              <a:t>, y=</a:t>
+            </a:r>
+            <a:r>
+              <a:rPr lang="en-US" sz="1600" b="1" dirty="0" err="1">
+                <a:latin typeface="Monaco" charset="0"/>
+                <a:ea typeface="Monaco" charset="0"/>
+                <a:cs typeface="Monaco" charset="0"/>
+              </a:rPr>
+              <a:t>Sepal.Width</a:t>
+            </a:r>
+            <a:r>
+              <a:rPr lang="en-US" sz="1600" b="1" dirty="0">
+                <a:latin typeface="Monaco" charset="0"/>
+                <a:ea typeface="Monaco" charset="0"/>
+                <a:cs typeface="Monaco" charset="0"/>
+              </a:rPr>
+              <a:t>)) + </a:t>
+            </a:r>
+            <a:r>
+              <a:rPr lang="en-US" sz="1600" b="1" dirty="0" err="1">
+                <a:latin typeface="Monaco" charset="0"/>
+                <a:ea typeface="Monaco" charset="0"/>
+                <a:cs typeface="Monaco" charset="0"/>
+              </a:rPr>
+              <a:t>geom_boxplot</a:t>
+            </a:r>
+            <a:r>
+              <a:rPr lang="en-US" sz="1600" b="1" dirty="0">
+                <a:latin typeface="Monaco" charset="0"/>
+                <a:ea typeface="Monaco" charset="0"/>
+                <a:cs typeface="Monaco" charset="0"/>
+              </a:rPr>
+              <a:t>()</a:t>
+            </a:r>
+          </a:p>
+          <a:p>
+            <a:pPr marL="285750" indent="-285750">
+              <a:buFont typeface=".AppleSystemUIFont" charset="-120"/>
+              <a:buChar char="&gt;"/>
+            </a:pPr>
+            <a:endParaRPr lang="is-IS" sz="1600" b="1" dirty="0">
+              <a:latin typeface="Monaco" charset="0"/>
+              <a:ea typeface="Monaco" charset="0"/>
+              <a:cs typeface="Monaco" charset="0"/>
+            </a:endParaRPr>
+          </a:p>
+          <a:p>
+            <a:pPr marL="285750" indent="-285750">
+              <a:buFont typeface="Wingdings" charset="2"/>
+              <a:buChar char="Ø"/>
+            </a:pPr>
+            <a:endParaRPr lang="is-IS" sz="1600" b="1" dirty="0">
+              <a:latin typeface="Monaco" charset="0"/>
+              <a:ea typeface="Monaco" charset="0"/>
+              <a:cs typeface="Monaco" charset="0"/>
+            </a:endParaRPr>
+          </a:p>
+          <a:p>
+            <a:pPr marL="285750" indent="-285750">
+              <a:buFont typeface="Wingdings" charset="2"/>
+              <a:buChar char="Ø"/>
+            </a:pPr>
+            <a:endParaRPr lang="is-IS" sz="1600" b="1" dirty="0" smtClean="0">
+              <a:latin typeface="Monaco" charset="0"/>
+              <a:ea typeface="Monaco" charset="0"/>
+              <a:cs typeface="Monaco" charset="0"/>
+            </a:endParaRPr>
+          </a:p>
+        </p:txBody>
+      </p:sp>
+      <p:pic>
+        <p:nvPicPr>
+          <p:cNvPr id="6" name="Picture 5"/>
+          <p:cNvPicPr>
+            <a:picLocks noChangeAspect="1"/>
+          </p:cNvPicPr>
+          <p:nvPr/>
+        </p:nvPicPr>
+        <p:blipFill>
+          <a:blip r:embed="rId2">
+            <a:extLst>
+              <a:ext uri="{28A0092B-C50C-407E-A947-70E740481C1C}">
+                <a14:useLocalDpi xmlns:a14="http://schemas.microsoft.com/office/drawing/2010/main" val="0"/>
+              </a:ext>
+            </a:extLst>
+          </a:blip>
+          <a:stretch>
+            <a:fillRect/>
+          </a:stretch>
+        </p:blipFill>
+        <p:spPr>
+          <a:xfrm>
+            <a:off x="8141109" y="2789903"/>
+            <a:ext cx="3485535" cy="3485535"/>
+          </a:xfrm>
+          <a:prstGeom prst="rect">
+            <a:avLst/>
+          </a:prstGeom>
+        </p:spPr>
+      </p:pic>
+    </p:spTree>
+    <p:extLst>
+      <p:ext uri="{BB962C8B-B14F-4D97-AF65-F5344CB8AC3E}">
+        <p14:creationId xmlns:p14="http://schemas.microsoft.com/office/powerpoint/2010/main" val="1998837034"/>
+      </p:ext>
+    </p:extLst>
+  </p:cSld>
+  <p:clrMapOvr>
+    <a:masterClrMapping/>
+  </p:clrMapOvr>
+  <p:timing>
+    <p:tnLst>
+      <p:par>
+        <p:cTn id="1" dur="indefinite" restart="never" nodeType="tmRoot"/>
+      </p:par>
+    </p:tnLst>
+  </p:timing>
+</p:sld>
+</file>
+
+<file path=ppt/slides/slide34.xml><?xml version="1.0" encoding="utf-8"?>
+<p:sld xmlns:a="http://schemas.openxmlformats.org/drawingml/2006/main" xmlns:r="http://schemas.openxmlformats.org/officeDocument/2006/relationships" xmlns:p="http://schemas.openxmlformats.org/presentationml/2006/main">
+  <p:cSld>
+    <p:spTree>
+      <p:nvGrpSpPr>
+        <p:cNvPr id="1" name=""/>
+        <p:cNvGrpSpPr/>
+        <p:nvPr/>
+      </p:nvGrpSpPr>
+      <p:grpSpPr>
+        <a:xfrm>
+          <a:off x="0" y="0"/>
+          <a:ext cx="0" cy="0"/>
+          <a:chOff x="0" y="0"/>
+          <a:chExt cx="0" cy="0"/>
+        </a:xfrm>
+      </p:grpSpPr>
+      <p:sp>
+        <p:nvSpPr>
+          <p:cNvPr id="2" name="Title 1"/>
+          <p:cNvSpPr>
+            <a:spLocks noGrp="1"/>
+          </p:cNvSpPr>
+          <p:nvPr>
+            <p:ph type="title"/>
+          </p:nvPr>
+        </p:nvSpPr>
+        <p:spPr/>
+        <p:txBody>
+          <a:bodyPr/>
+          <a:lstStyle/>
+          <a:p>
+            <a:r>
+              <a:rPr lang="en-US" dirty="0" smtClean="0"/>
+              <a:t>Grouped boxplots</a:t>
+            </a:r>
+            <a:endParaRPr lang="en-US" dirty="0"/>
+          </a:p>
+        </p:txBody>
+      </p:sp>
+      <p:sp>
+        <p:nvSpPr>
+          <p:cNvPr id="4" name="TextBox 3"/>
+          <p:cNvSpPr txBox="1"/>
+          <p:nvPr/>
+        </p:nvSpPr>
+        <p:spPr>
+          <a:xfrm>
+            <a:off x="925110" y="2016736"/>
+            <a:ext cx="11094720" cy="1323439"/>
+          </a:xfrm>
+          <a:prstGeom prst="rect">
+            <a:avLst/>
+          </a:prstGeom>
+          <a:noFill/>
+        </p:spPr>
+        <p:txBody>
+          <a:bodyPr wrap="square" rtlCol="0">
+            <a:spAutoFit/>
+          </a:bodyPr>
+          <a:lstStyle/>
+          <a:p>
+            <a:endParaRPr lang="is-IS" sz="1600" dirty="0">
+              <a:latin typeface="Monaco" charset="0"/>
+              <a:ea typeface="Monaco" charset="0"/>
+              <a:cs typeface="Monaco" charset="0"/>
+            </a:endParaRPr>
+          </a:p>
+          <a:p>
+            <a:r>
+              <a:rPr lang="en-US" sz="1600" b="1" dirty="0" smtClean="0">
+                <a:latin typeface="Monaco" charset="0"/>
+                <a:ea typeface="Monaco" charset="0"/>
+                <a:cs typeface="Monaco" charset="0"/>
+              </a:rPr>
+              <a:t>&gt; </a:t>
+            </a:r>
+            <a:r>
+              <a:rPr lang="en-US" sz="1600" b="1" dirty="0" err="1" smtClean="0">
+                <a:latin typeface="Monaco" charset="0"/>
+                <a:ea typeface="Monaco" charset="0"/>
+                <a:cs typeface="Monaco" charset="0"/>
+              </a:rPr>
+              <a:t>ggplot</a:t>
+            </a:r>
+            <a:r>
+              <a:rPr lang="en-US" sz="1600" b="1" dirty="0" smtClean="0">
+                <a:latin typeface="Monaco" charset="0"/>
+                <a:ea typeface="Monaco" charset="0"/>
+                <a:cs typeface="Monaco" charset="0"/>
+              </a:rPr>
+              <a:t>(iris2</a:t>
+            </a:r>
+            <a:r>
+              <a:rPr lang="en-US" sz="1600" b="1" dirty="0">
+                <a:latin typeface="Monaco" charset="0"/>
+                <a:ea typeface="Monaco" charset="0"/>
+                <a:cs typeface="Monaco" charset="0"/>
+              </a:rPr>
+              <a:t>, </a:t>
+            </a:r>
+            <a:r>
+              <a:rPr lang="en-US" sz="1600" b="1" dirty="0" err="1">
+                <a:latin typeface="Monaco" charset="0"/>
+                <a:ea typeface="Monaco" charset="0"/>
+                <a:cs typeface="Monaco" charset="0"/>
+              </a:rPr>
+              <a:t>aes</a:t>
+            </a:r>
+            <a:r>
+              <a:rPr lang="en-US" sz="1600" b="1" dirty="0" smtClean="0">
+                <a:latin typeface="Monaco" charset="0"/>
+                <a:ea typeface="Monaco" charset="0"/>
+                <a:cs typeface="Monaco" charset="0"/>
+              </a:rPr>
+              <a:t>( </a:t>
+            </a:r>
+            <a:r>
+              <a:rPr lang="en-US" sz="1600" b="1" dirty="0" smtClean="0">
+                <a:solidFill>
+                  <a:srgbClr val="7030A0"/>
+                </a:solidFill>
+                <a:latin typeface="Monaco" charset="0"/>
+                <a:ea typeface="Monaco" charset="0"/>
+                <a:cs typeface="Monaco" charset="0"/>
+              </a:rPr>
+              <a:t>x </a:t>
+            </a:r>
+            <a:r>
+              <a:rPr lang="en-US" sz="1600" b="1" dirty="0">
+                <a:solidFill>
+                  <a:srgbClr val="7030A0"/>
+                </a:solidFill>
+                <a:latin typeface="Monaco" charset="0"/>
+                <a:ea typeface="Monaco" charset="0"/>
+                <a:cs typeface="Monaco" charset="0"/>
+              </a:rPr>
+              <a:t>= </a:t>
+            </a:r>
+            <a:r>
+              <a:rPr lang="en-US" sz="1600" b="1" dirty="0" smtClean="0">
+                <a:solidFill>
+                  <a:srgbClr val="7030A0"/>
+                </a:solidFill>
+                <a:latin typeface="Monaco" charset="0"/>
+                <a:ea typeface="Monaco" charset="0"/>
+                <a:cs typeface="Monaco" charset="0"/>
+              </a:rPr>
+              <a:t>size</a:t>
+            </a:r>
+            <a:r>
+              <a:rPr lang="en-US" sz="1600" b="1" dirty="0" smtClean="0">
+                <a:latin typeface="Monaco" charset="0"/>
+                <a:ea typeface="Monaco" charset="0"/>
+                <a:cs typeface="Monaco" charset="0"/>
+              </a:rPr>
+              <a:t>, </a:t>
+            </a:r>
+            <a:r>
+              <a:rPr lang="en-US" sz="1600" b="1" dirty="0" smtClean="0">
+                <a:solidFill>
+                  <a:schemeClr val="accent1"/>
+                </a:solidFill>
+                <a:latin typeface="Monaco" charset="0"/>
+                <a:ea typeface="Monaco" charset="0"/>
+                <a:cs typeface="Monaco" charset="0"/>
+              </a:rPr>
+              <a:t>fill = Species</a:t>
+            </a:r>
+            <a:r>
+              <a:rPr lang="en-US" sz="1600" b="1" dirty="0" smtClean="0">
+                <a:latin typeface="Monaco" charset="0"/>
+                <a:ea typeface="Monaco" charset="0"/>
+                <a:cs typeface="Monaco" charset="0"/>
+              </a:rPr>
+              <a:t>, </a:t>
+            </a:r>
+            <a:r>
+              <a:rPr lang="en-US" sz="1600" b="1" dirty="0">
+                <a:latin typeface="Monaco" charset="0"/>
+                <a:ea typeface="Monaco" charset="0"/>
+                <a:cs typeface="Monaco" charset="0"/>
+              </a:rPr>
+              <a:t>y=</a:t>
+            </a:r>
+            <a:r>
+              <a:rPr lang="en-US" sz="1600" b="1" dirty="0" err="1">
+                <a:latin typeface="Monaco" charset="0"/>
+                <a:ea typeface="Monaco" charset="0"/>
+                <a:cs typeface="Monaco" charset="0"/>
+              </a:rPr>
+              <a:t>Sepal.Width</a:t>
+            </a:r>
+            <a:r>
+              <a:rPr lang="en-US" sz="1600" b="1" dirty="0">
+                <a:latin typeface="Monaco" charset="0"/>
+                <a:ea typeface="Monaco" charset="0"/>
+                <a:cs typeface="Monaco" charset="0"/>
+              </a:rPr>
+              <a:t>)) + </a:t>
+            </a:r>
+            <a:r>
+              <a:rPr lang="en-US" sz="1600" b="1" dirty="0" err="1">
+                <a:latin typeface="Monaco" charset="0"/>
+                <a:ea typeface="Monaco" charset="0"/>
+                <a:cs typeface="Monaco" charset="0"/>
+              </a:rPr>
+              <a:t>geom_boxplot</a:t>
+            </a:r>
+            <a:r>
+              <a:rPr lang="en-US" sz="1600" b="1" dirty="0">
+                <a:latin typeface="Monaco" charset="0"/>
+                <a:ea typeface="Monaco" charset="0"/>
+                <a:cs typeface="Monaco" charset="0"/>
+              </a:rPr>
+              <a:t>()</a:t>
+            </a:r>
+          </a:p>
+          <a:p>
+            <a:pPr marL="285750" indent="-285750">
+              <a:buFont typeface=".AppleSystemUIFont" charset="-120"/>
+              <a:buChar char="&gt;"/>
+            </a:pPr>
+            <a:endParaRPr lang="is-IS" sz="1600" b="1" dirty="0">
+              <a:latin typeface="Monaco" charset="0"/>
+              <a:ea typeface="Monaco" charset="0"/>
+              <a:cs typeface="Monaco" charset="0"/>
+            </a:endParaRPr>
+          </a:p>
+          <a:p>
+            <a:pPr marL="285750" indent="-285750">
+              <a:buFont typeface="Wingdings" charset="2"/>
+              <a:buChar char="Ø"/>
+            </a:pPr>
+            <a:endParaRPr lang="is-IS" sz="1600" b="1" dirty="0">
+              <a:latin typeface="Monaco" charset="0"/>
+              <a:ea typeface="Monaco" charset="0"/>
+              <a:cs typeface="Monaco" charset="0"/>
+            </a:endParaRPr>
+          </a:p>
+          <a:p>
+            <a:pPr marL="285750" indent="-285750">
+              <a:buFont typeface="Wingdings" charset="2"/>
+              <a:buChar char="Ø"/>
+            </a:pPr>
+            <a:endParaRPr lang="is-IS" sz="1600" b="1" dirty="0" smtClean="0">
+              <a:latin typeface="Monaco" charset="0"/>
+              <a:ea typeface="Monaco" charset="0"/>
+              <a:cs typeface="Monaco" charset="0"/>
+            </a:endParaRPr>
+          </a:p>
+        </p:txBody>
+      </p:sp>
+      <p:pic>
+        <p:nvPicPr>
+          <p:cNvPr id="7" name="Picture 6"/>
+          <p:cNvPicPr>
+            <a:picLocks noChangeAspect="1"/>
+          </p:cNvPicPr>
+          <p:nvPr/>
+        </p:nvPicPr>
+        <p:blipFill>
+          <a:blip r:embed="rId2">
+            <a:extLst>
+              <a:ext uri="{28A0092B-C50C-407E-A947-70E740481C1C}">
+                <a14:useLocalDpi xmlns:a14="http://schemas.microsoft.com/office/drawing/2010/main" val="0"/>
+              </a:ext>
+            </a:extLst>
+          </a:blip>
+          <a:stretch>
+            <a:fillRect/>
+          </a:stretch>
+        </p:blipFill>
+        <p:spPr>
+          <a:xfrm>
+            <a:off x="8570093" y="2867383"/>
+            <a:ext cx="3449737" cy="3449737"/>
+          </a:xfrm>
+          <a:prstGeom prst="rect">
+            <a:avLst/>
+          </a:prstGeom>
+        </p:spPr>
+      </p:pic>
+    </p:spTree>
+    <p:extLst>
+      <p:ext uri="{BB962C8B-B14F-4D97-AF65-F5344CB8AC3E}">
+        <p14:creationId xmlns:p14="http://schemas.microsoft.com/office/powerpoint/2010/main" val="982287021"/>
+      </p:ext>
+    </p:extLst>
+  </p:cSld>
+  <p:clrMapOvr>
+    <a:masterClrMapping/>
+  </p:clrMapOvr>
+  <p:timing>
+    <p:tnLst>
+      <p:par>
+        <p:cTn id="1" dur="indefinite" restart="never" nodeType="tmRoot"/>
+      </p:par>
+    </p:tnLst>
+  </p:timing>
+</p:sld>
+</file>
+
+<file path=ppt/slides/slide35.xml><?xml version="1.0" encoding="utf-8"?>
+<p:sld xmlns:a="http://schemas.openxmlformats.org/drawingml/2006/main" xmlns:r="http://schemas.openxmlformats.org/officeDocument/2006/relationships" xmlns:p="http://schemas.openxmlformats.org/presentationml/2006/main">
+  <p:cSld>
+    <p:spTree>
+      <p:nvGrpSpPr>
+        <p:cNvPr id="1" name=""/>
+        <p:cNvGrpSpPr/>
+        <p:nvPr/>
+      </p:nvGrpSpPr>
+      <p:grpSpPr>
+        <a:xfrm>
+          <a:off x="0" y="0"/>
+          <a:ext cx="0" cy="0"/>
+          <a:chOff x="0" y="0"/>
+          <a:chExt cx="0" cy="0"/>
+        </a:xfrm>
+      </p:grpSpPr>
+      <p:sp>
+        <p:nvSpPr>
+          <p:cNvPr id="2" name="Title 1"/>
+          <p:cNvSpPr>
+            <a:spLocks noGrp="1"/>
+          </p:cNvSpPr>
+          <p:nvPr>
+            <p:ph type="title"/>
+          </p:nvPr>
+        </p:nvSpPr>
         <p:spPr>
           <a:xfrm>
             <a:off x="1097280" y="286603"/>
@@ -9860,18 +11323,7 @@
                 <a:ea typeface="Monaco" charset="0"/>
                 <a:cs typeface="Monaco" charset="0"/>
               </a:rPr>
-              <a:t>aes(</a:t>
-            </a:r>
-            <a:r>
-              <a:rPr lang="is-IS" sz="1600" b="1" dirty="0" smtClean="0">
-                <a:solidFill>
-                  <a:schemeClr val="accent1"/>
-                </a:solidFill>
-                <a:latin typeface="Monaco" charset="0"/>
-                <a:ea typeface="Monaco" charset="0"/>
-                <a:cs typeface="Monaco" charset="0"/>
-              </a:rPr>
-              <a:t>color </a:t>
+              <a:t>aes(color </a:t>
             </a:r>
             <a:r>
               <a:rPr lang="is-IS" sz="1600" b="1" dirty="0">
@@ -10002,7 +11454,135 @@
 </p:sld>
 </file>
 
-<file path=ppt/slides/slide33.xml><?xml version="1.0" encoding="utf-8"?>
+<file path=ppt/slides/slide36.xml><?xml version="1.0" encoding="utf-8"?>
+<p:sld xmlns:a="http://schemas.openxmlformats.org/drawingml/2006/main" xmlns:r="http://schemas.openxmlformats.org/officeDocument/2006/relationships" xmlns:p="http://schemas.openxmlformats.org/presentationml/2006/main">
+  <p:cSld>
+    <p:spTree>
+      <p:nvGrpSpPr>
+        <p:cNvPr id="1" name=""/>
+        <p:cNvGrpSpPr/>
+        <p:nvPr/>
+      </p:nvGrpSpPr>
+      <p:grpSpPr>
+        <a:xfrm>
+          <a:off x="0" y="0"/>
+          <a:ext cx="0" cy="0"/>
+          <a:chOff x="0" y="0"/>
+          <a:chExt cx="0" cy="0"/>
+        </a:xfrm>
+      </p:grpSpPr>
+      <p:sp>
+        <p:nvSpPr>
+          <p:cNvPr id="2" name="Title 1"/>
+          <p:cNvSpPr>
+            <a:spLocks noGrp="1"/>
+          </p:cNvSpPr>
+          <p:nvPr>
+            <p:ph type="title"/>
+          </p:nvPr>
+        </p:nvSpPr>
+        <p:spPr/>
+        <p:txBody>
+          <a:bodyPr>
+            <a:normAutofit fontScale="90000"/>
+          </a:bodyPr>
+          <a:lstStyle/>
+          <a:p>
+            <a:r>
+              <a:rPr lang="en-US" dirty="0" smtClean="0"/>
+              <a:t>Detour round 2: scale_&lt;fill/color&gt;_??</a:t>
+            </a:r>
+            <a:endParaRPr lang="en-US" dirty="0"/>
+          </a:p>
+        </p:txBody>
+      </p:sp>
+      <p:sp>
+        <p:nvSpPr>
+          <p:cNvPr id="3" name="Content Placeholder 2"/>
+          <p:cNvSpPr>
+            <a:spLocks noGrp="1"/>
+          </p:cNvSpPr>
+          <p:nvPr>
+            <p:ph idx="1"/>
+          </p:nvPr>
+        </p:nvSpPr>
+        <p:spPr/>
+        <p:txBody>
+          <a:bodyPr/>
+          <a:lstStyle/>
+          <a:p>
+            <a:r>
+              <a:rPr lang="en-US" dirty="0" smtClean="0"/>
+              <a:t>There are </a:t>
+            </a:r>
+            <a:r>
+              <a:rPr lang="en-US" b="1" dirty="0" smtClean="0"/>
+              <a:t>many</a:t>
+            </a:r>
+            <a:r>
+              <a:rPr lang="en-US" dirty="0" smtClean="0"/>
+              <a:t> scales to use besides default and custom.</a:t>
+            </a:r>
+          </a:p>
+          <a:p>
+            <a:pPr lvl="1"/>
+            <a:r>
+              <a:rPr lang="en-US" dirty="0" smtClean="0"/>
+              <a:t>scale_&lt;fil/color&gt;_brewer() uses pre-made color schemes from </a:t>
+            </a:r>
+            <a:r>
+              <a:rPr lang="en-US" dirty="0" err="1" smtClean="0"/>
+              <a:t>colorbrewer.org</a:t>
+            </a:r>
+            <a:endParaRPr lang="en-US" dirty="0" smtClean="0"/>
+          </a:p>
+          <a:p>
+            <a:pPr lvl="1"/>
+            <a:endParaRPr lang="en-US" dirty="0" smtClean="0"/>
+          </a:p>
+          <a:p>
+            <a:pPr lvl="1"/>
+            <a:r>
+              <a:rPr lang="en-US" dirty="0" err="1" smtClean="0"/>
+              <a:t>scale_color_gradient</a:t>
+            </a:r>
+            <a:r>
+              <a:rPr lang="en-US" dirty="0" smtClean="0"/>
+              <a:t>() can take a low and high to fill along a spectrum</a:t>
+            </a:r>
+          </a:p>
+          <a:p>
+            <a:endParaRPr lang="en-US" dirty="0"/>
+          </a:p>
+          <a:p>
+            <a:r>
+              <a:rPr lang="en-US" dirty="0"/>
+              <a:t>See here: http://ggplot2.tidyverse.org/reference/#scales</a:t>
+            </a:r>
+          </a:p>
+        </p:txBody>
+      </p:sp>
+    </p:spTree>
+    <p:extLst>
+      <p:ext uri="{BB962C8B-B14F-4D97-AF65-F5344CB8AC3E}">
+        <p14:creationId xmlns:p14="http://schemas.microsoft.com/office/powerpoint/2010/main" val="1212085831"/>
+      </p:ext>
+    </p:extLst>
+  </p:cSld>
+  <p:clrMapOvr>
+    <a:masterClrMapping/>
+  </p:clrMapOvr>
+  <p:timing>
+    <p:tnLst>
+      <p:par>
+        <p:cTn id="1" dur="indefinite" restart="never" nodeType="tmRoot"/>
+      </p:par>
+    </p:tnLst>
+  </p:timing>
+</p:sld>
+</file>
+
+<file path=ppt/slides/slide37.xml><?xml version="1.0" encoding="utf-8"?>
 <p:sld xmlns:a="http://schemas.openxmlformats.org/drawingml/2006/main" xmlns:r="http://schemas.openxmlformats.org/officeDocument/2006/relationships" xmlns:p="http://schemas.openxmlformats.org/presentationml/2006/main">
   <p:cSld>
     <p:spTree>
@@ -10186,7 +11766,7 @@
 </p:sld>
 </file>
 
-<file path=ppt/slides/slide34.xml><?xml version="1.0" encoding="utf-8"?>
+<file path=ppt/slides/slide38.xml><?xml version="1.0" encoding="utf-8"?>
 <p:sld xmlns:a="http://schemas.openxmlformats.org/drawingml/2006/main" xmlns:r="http://schemas.openxmlformats.org/officeDocument/2006/relationships" xmlns:p="http://schemas.openxmlformats.org/presentationml/2006/main">
   <p:cSld>
     <p:spTree>
@@ -10265,7 +11845,23 @@
                 <a:ea typeface="Monaco" charset="0"/>
                 <a:cs typeface="Monaco" charset="0"/>
               </a:rPr>
-              <a:t>ggplot(iris, aes(x = Species, fill = "Species")) + geom_bar()</a:t>
+              <a:t>ggplot(iris, aes(x = Species, fill = </a:t>
+            </a:r>
+            <a:r>
+              <a:rPr lang="is-IS" sz="1600" b="1" dirty="0" smtClean="0">
+                <a:latin typeface="Monaco" charset="0"/>
+                <a:ea typeface="Monaco" charset="0"/>
+                <a:cs typeface="Monaco" charset="0"/>
+              </a:rPr>
+              <a:t>Species)) </a:t>
+            </a:r>
+            <a:r>
+              <a:rPr lang="is-IS" sz="1600" b="1" dirty="0" smtClean="0">
+                <a:latin typeface="Monaco" charset="0"/>
+                <a:ea typeface="Monaco" charset="0"/>
+                <a:cs typeface="Monaco" charset="0"/>
+              </a:rPr>
+              <a:t>+ geom_bar()</a:t>
             </a:r>
           </a:p>
           <a:p>
@@ -10298,7 +11894,7 @@
       </p:sp>
       <p:pic>
         <p:nvPicPr>
-          <p:cNvPr id="7" name="Picture 6"/>
+          <p:cNvPr id="8" name="Picture 7"/>
           <p:cNvPicPr>
             <a:picLocks noChangeAspect="1"/>
           </p:cNvPicPr>
@@ -10306,36 +11902,6 @@
         </p:nvPicPr>
         <p:blipFill>
           <a:blip r:embed="rId2">
-            <a:extLst>
-              <a:ext uri="{28A0092B-C50C-407E-A947-70E740481C1C}">
-                <a14:useLocalDpi xmlns:a14="http://schemas.microsoft.com/office/drawing/2010/main" val="0"/>
-              </a:ext>
-            </a:extLst>
-          </a:blip>
-          <a:stretch>
-            <a:fillRect/>
-          </a:stretch>
-        </p:blipFill>
-        <p:spPr>
-          <a:xfrm>
-            <a:off x="4203700" y="1358900"/>
-            <a:ext cx="3771900" cy="4127500"/>
-          </a:xfrm>
-          <a:prstGeom prst="rect">
-            <a:avLst/>
-          </a:prstGeom>
-        </p:spPr>
-      </p:pic>
-      <p:pic>
-        <p:nvPicPr>
-          <p:cNvPr id="8" name="Picture 7"/>
-          <p:cNvPicPr>
-            <a:picLocks noChangeAspect="1"/>
-          </p:cNvPicPr>
-          <p:nvPr/>
-        </p:nvPicPr>
-        <p:blipFill>
-          <a:blip r:embed="rId3">
             <a:extLst>
               <a:ext uri="{28A0092B-C50C-407E-A947-70E740481C1C}">
                 <a14:useLocalDpi xmlns:a14="http://schemas.microsoft.com/office/drawing/2010/main" val="0"/>
@@ -10360,6 +11926,283 @@
     <p:extLst>
       <p:ext uri="{BB962C8B-B14F-4D97-AF65-F5344CB8AC3E}">
         <p14:creationId xmlns:p14="http://schemas.microsoft.com/office/powerpoint/2010/main" val="1008281465"/>
+      </p:ext>
+    </p:extLst>
+  </p:cSld>
+  <p:clrMapOvr>
+    <a:masterClrMapping/>
+  </p:clrMapOvr>
+  <p:timing>
+    <p:tnLst>
+      <p:par>
+        <p:cTn id="1" dur="indefinite" restart="never" nodeType="tmRoot"/>
+      </p:par>
+    </p:tnLst>
+  </p:timing>
+</p:sld>
+</file>
+
+<file path=ppt/slides/slide39.xml><?xml version="1.0" encoding="utf-8"?>
+<p:sld xmlns:a="http://schemas.openxmlformats.org/drawingml/2006/main" xmlns:r="http://schemas.openxmlformats.org/officeDocument/2006/relationships" xmlns:p="http://schemas.openxmlformats.org/presentationml/2006/main">
+  <p:cSld>
+    <p:spTree>
+      <p:nvGrpSpPr>
+        <p:cNvPr id="1" name=""/>
+        <p:cNvGrpSpPr/>
+        <p:nvPr/>
+      </p:nvGrpSpPr>
+      <p:grpSpPr>
+        <a:xfrm>
+          <a:off x="0" y="0"/>
+          <a:ext cx="0" cy="0"/>
+          <a:chOff x="0" y="0"/>
+          <a:chExt cx="0" cy="0"/>
+        </a:xfrm>
+      </p:grpSpPr>
+      <p:sp>
+        <p:nvSpPr>
+          <p:cNvPr id="2" name="Title 1"/>
+          <p:cNvSpPr>
+            <a:spLocks noGrp="1"/>
+          </p:cNvSpPr>
+          <p:nvPr>
+            <p:ph type="title"/>
+          </p:nvPr>
+        </p:nvSpPr>
+        <p:spPr/>
+        <p:txBody>
+          <a:bodyPr/>
+          <a:lstStyle/>
+          <a:p>
+            <a:r>
+              <a:rPr lang="en-US" dirty="0"/>
+              <a:t>Stacked/grouped bar plot</a:t>
+            </a:r>
+            <a:endParaRPr lang="en-US" dirty="0"/>
+          </a:p>
+        </p:txBody>
+      </p:sp>
+      <p:pic>
+        <p:nvPicPr>
+          <p:cNvPr id="7" name="Picture 6"/>
+          <p:cNvPicPr>
+            <a:picLocks noChangeAspect="1"/>
+          </p:cNvPicPr>
+          <p:nvPr/>
+        </p:nvPicPr>
+        <p:blipFill>
+          <a:blip r:embed="rId2">
+            <a:extLst>
+              <a:ext uri="{28A0092B-C50C-407E-A947-70E740481C1C}">
+                <a14:useLocalDpi xmlns:a14="http://schemas.microsoft.com/office/drawing/2010/main" val="0"/>
+              </a:ext>
+            </a:extLst>
+          </a:blip>
+          <a:stretch>
+            <a:fillRect/>
+          </a:stretch>
+        </p:blipFill>
+        <p:spPr>
+          <a:xfrm>
+            <a:off x="4203700" y="1377561"/>
+            <a:ext cx="3771900" cy="4127500"/>
+          </a:xfrm>
+          <a:prstGeom prst="rect">
+            <a:avLst/>
+          </a:prstGeom>
+        </p:spPr>
+      </p:pic>
+      <p:sp>
+        <p:nvSpPr>
+          <p:cNvPr id="9" name="TextBox 8"/>
+          <p:cNvSpPr txBox="1"/>
+          <p:nvPr/>
+        </p:nvSpPr>
+        <p:spPr>
+          <a:xfrm>
+            <a:off x="925110" y="2016736"/>
+            <a:ext cx="11094720" cy="2831544"/>
+          </a:xfrm>
+          <a:prstGeom prst="rect">
+            <a:avLst/>
+          </a:prstGeom>
+          <a:noFill/>
+        </p:spPr>
+        <p:txBody>
+          <a:bodyPr wrap="square" rtlCol="0">
+            <a:spAutoFit/>
+          </a:bodyPr>
+          <a:lstStyle/>
+          <a:p>
+            <a:endParaRPr lang="is-IS" sz="1600" dirty="0">
+              <a:latin typeface="Monaco" charset="0"/>
+              <a:ea typeface="Monaco" charset="0"/>
+              <a:cs typeface="Monaco" charset="0"/>
+            </a:endParaRPr>
+          </a:p>
+          <a:p>
+            <a:pPr marL="285750" indent="-285750">
+              <a:buFont typeface=".AppleSystemUIFont" charset="-120"/>
+              <a:buChar char="&gt;"/>
+            </a:pPr>
+            <a:r>
+              <a:rPr lang="is-IS" sz="1600" b="1" dirty="0">
+                <a:latin typeface="Monaco" charset="0"/>
+                <a:ea typeface="Monaco" charset="0"/>
+                <a:cs typeface="Monaco" charset="0"/>
+              </a:rPr>
+              <a:t>head(iris2) </a:t>
+            </a:r>
+            <a:endParaRPr lang="is-IS" sz="1200" b="1" dirty="0">
+              <a:latin typeface="Monaco" charset="0"/>
+              <a:ea typeface="Monaco" charset="0"/>
+              <a:cs typeface="Monaco" charset="0"/>
+            </a:endParaRPr>
+          </a:p>
+          <a:p>
+            <a:pPr lvl="2"/>
+            <a:r>
+              <a:rPr lang="is-IS" sz="1300" dirty="0">
+                <a:latin typeface="Monaco" charset="0"/>
+                <a:ea typeface="Monaco" charset="0"/>
+                <a:cs typeface="Monaco" charset="0"/>
+              </a:rPr>
+              <a:t>Source: local data frame [150 x 6]</a:t>
+            </a:r>
+          </a:p>
+          <a:p>
+            <a:pPr lvl="2"/>
+            <a:r>
+              <a:rPr lang="is-IS" sz="1300" dirty="0">
+                <a:latin typeface="Monaco" charset="0"/>
+                <a:ea typeface="Monaco" charset="0"/>
+                <a:cs typeface="Monaco" charset="0"/>
+              </a:rPr>
+              <a:t>Groups: Species [3</a:t>
+            </a:r>
+            <a:r>
+              <a:rPr lang="is-IS" sz="1300" dirty="0" smtClean="0">
+                <a:latin typeface="Monaco" charset="0"/>
+                <a:ea typeface="Monaco" charset="0"/>
+                <a:cs typeface="Monaco" charset="0"/>
+              </a:rPr>
+              <a:t>]</a:t>
+            </a:r>
+            <a:endParaRPr lang="is-IS" sz="1300" dirty="0">
+              <a:latin typeface="Monaco" charset="0"/>
+              <a:ea typeface="Monaco" charset="0"/>
+              <a:cs typeface="Monaco" charset="0"/>
+            </a:endParaRPr>
+          </a:p>
+          <a:p>
+            <a:pPr lvl="2"/>
+            <a:r>
+              <a:rPr lang="is-IS" sz="1300" dirty="0">
+                <a:latin typeface="Monaco" charset="0"/>
+                <a:ea typeface="Monaco" charset="0"/>
+                <a:cs typeface="Monaco" charset="0"/>
+              </a:rPr>
+              <a:t>   Sepal.Length Sepal.Width Petal.Length Petal.Width Species  size</a:t>
+            </a:r>
+          </a:p>
+          <a:p>
+            <a:pPr lvl="2"/>
+            <a:r>
+              <a:rPr lang="is-IS" sz="1300" dirty="0">
+                <a:latin typeface="Monaco" charset="0"/>
+                <a:ea typeface="Monaco" charset="0"/>
+                <a:cs typeface="Monaco" charset="0"/>
+              </a:rPr>
+              <a:t>          &lt;dbl&gt;       &lt;dbl&gt;        &lt;dbl&gt;       &lt;dbl&gt;  &lt;fctr&gt; &lt;chr&gt;</a:t>
+            </a:r>
+          </a:p>
+          <a:p>
+            <a:pPr lvl="2"/>
+            <a:r>
+              <a:rPr lang="is-IS" sz="1300" dirty="0">
+                <a:latin typeface="Monaco" charset="0"/>
+                <a:ea typeface="Monaco" charset="0"/>
+                <a:cs typeface="Monaco" charset="0"/>
+              </a:rPr>
+              <a:t>1           5.1         3.5          1.4         0.2  setosa   big</a:t>
+            </a:r>
+          </a:p>
+          <a:p>
+            <a:pPr lvl="2"/>
+            <a:r>
+              <a:rPr lang="is-IS" sz="1300" dirty="0">
+                <a:latin typeface="Monaco" charset="0"/>
+                <a:ea typeface="Monaco" charset="0"/>
+                <a:cs typeface="Monaco" charset="0"/>
+              </a:rPr>
+              <a:t>2           4.9         3.0          1.4         0.2  setosa small</a:t>
+            </a:r>
+          </a:p>
+          <a:p>
+            <a:pPr lvl="2"/>
+            <a:r>
+              <a:rPr lang="is-IS" sz="1300" dirty="0">
+                <a:latin typeface="Monaco" charset="0"/>
+                <a:ea typeface="Monaco" charset="0"/>
+                <a:cs typeface="Monaco" charset="0"/>
+              </a:rPr>
+              <a:t>3           4.7         3.2          1.3         0.2  setosa small</a:t>
+            </a:r>
+          </a:p>
+          <a:p>
+            <a:pPr lvl="2"/>
+            <a:r>
+              <a:rPr lang="is-IS" sz="1300" dirty="0">
+                <a:latin typeface="Monaco" charset="0"/>
+                <a:ea typeface="Monaco" charset="0"/>
+                <a:cs typeface="Monaco" charset="0"/>
+              </a:rPr>
+              <a:t>4           4.6         3.1          1.5         0.2  setosa small</a:t>
+            </a:r>
+          </a:p>
+          <a:p>
+            <a:pPr lvl="2"/>
+            <a:r>
+              <a:rPr lang="is-IS" sz="1300" dirty="0">
+                <a:latin typeface="Monaco" charset="0"/>
+                <a:ea typeface="Monaco" charset="0"/>
+                <a:cs typeface="Monaco" charset="0"/>
+              </a:rPr>
+              <a:t>5           5.0         3.6          1.4         0.2  setosa   big</a:t>
+            </a:r>
+          </a:p>
+          <a:p>
+            <a:pPr lvl="2"/>
+            <a:r>
+              <a:rPr lang="is-IS" sz="1300" dirty="0">
+                <a:latin typeface="Monaco" charset="0"/>
+                <a:ea typeface="Monaco" charset="0"/>
+                <a:cs typeface="Monaco" charset="0"/>
+              </a:rPr>
+              <a:t>6           5.4         3.9          1.7         0.4  setosa   big</a:t>
+            </a:r>
+          </a:p>
+          <a:p>
+            <a:r>
+              <a:rPr lang="is-IS" sz="1600" b="1" dirty="0" smtClean="0">
+                <a:latin typeface="Monaco" charset="0"/>
+                <a:ea typeface="Monaco" charset="0"/>
+                <a:cs typeface="Monaco" charset="0"/>
+              </a:rPr>
+              <a:t>     </a:t>
+            </a:r>
+            <a:endParaRPr lang="is-IS" sz="1600" b="1" dirty="0">
+              <a:latin typeface="Monaco" charset="0"/>
+              <a:ea typeface="Monaco" charset="0"/>
+              <a:cs typeface="Monaco" charset="0"/>
+            </a:endParaRPr>
+          </a:p>
+        </p:txBody>
+      </p:sp>
+    </p:spTree>
+    <p:extLst>
+      <p:ext uri="{BB962C8B-B14F-4D97-AF65-F5344CB8AC3E}">
+        <p14:creationId xmlns:p14="http://schemas.microsoft.com/office/powerpoint/2010/main" val="1850414189"/>
       </p:ext>
     </p:extLst>
   </p:cSld>
@@ -10584,11 +12427,7 @@
             </a:r>
             <a:r>
               <a:rPr lang="en-US" sz="2800" dirty="0" smtClean="0"/>
-              <a:t> </a:t>
-            </a:r>
-            <a:r>
-              <a:rPr lang="en-US" sz="2800" dirty="0" smtClean="0"/>
-              <a:t>is used for visualization/plotting</a:t>
+              <a:t> is used for visualization/plotting</a:t>
             </a:r>
             <a:endParaRPr lang="en-US" sz="2800" dirty="0"/>
           </a:p>
@@ -10598,6 +12437,839 @@
     <p:extLst>
       <p:ext uri="{BB962C8B-B14F-4D97-AF65-F5344CB8AC3E}">
         <p14:creationId xmlns:p14="http://schemas.microsoft.com/office/powerpoint/2010/main" val="1226636517"/>
+      </p:ext>
+    </p:extLst>
+  </p:cSld>
+  <p:clrMapOvr>
+    <a:masterClrMapping/>
+  </p:clrMapOvr>
+  <p:timing>
+    <p:tnLst>
+      <p:par>
+        <p:cTn id="1" dur="indefinite" restart="never" nodeType="tmRoot"/>
+      </p:par>
+    </p:tnLst>
+  </p:timing>
+</p:sld>
+</file>
+
+<file path=ppt/slides/slide40.xml><?xml version="1.0" encoding="utf-8"?>
+<p:sld xmlns:a="http://schemas.openxmlformats.org/drawingml/2006/main" xmlns:r="http://schemas.openxmlformats.org/officeDocument/2006/relationships" xmlns:p="http://schemas.openxmlformats.org/presentationml/2006/main">
+  <p:cSld>
+    <p:spTree>
+      <p:nvGrpSpPr>
+        <p:cNvPr id="1" name=""/>
+        <p:cNvGrpSpPr/>
+        <p:nvPr/>
+      </p:nvGrpSpPr>
+      <p:grpSpPr>
+        <a:xfrm>
+          <a:off x="0" y="0"/>
+          <a:ext cx="0" cy="0"/>
+          <a:chOff x="0" y="0"/>
+          <a:chExt cx="0" cy="0"/>
+        </a:xfrm>
+      </p:grpSpPr>
+      <p:sp>
+        <p:nvSpPr>
+          <p:cNvPr id="2" name="Title 1"/>
+          <p:cNvSpPr>
+            <a:spLocks noGrp="1"/>
+          </p:cNvSpPr>
+          <p:nvPr>
+            <p:ph type="title"/>
+          </p:nvPr>
+        </p:nvSpPr>
+        <p:spPr/>
+        <p:txBody>
+          <a:bodyPr/>
+          <a:lstStyle/>
+          <a:p>
+            <a:r>
+              <a:rPr lang="en-US" dirty="0" smtClean="0"/>
+              <a:t>Stacked/grouped bar plot</a:t>
+            </a:r>
+            <a:endParaRPr lang="en-US" dirty="0"/>
+          </a:p>
+        </p:txBody>
+      </p:sp>
+      <p:sp>
+        <p:nvSpPr>
+          <p:cNvPr id="4" name="TextBox 3"/>
+          <p:cNvSpPr txBox="1"/>
+          <p:nvPr/>
+        </p:nvSpPr>
+        <p:spPr>
+          <a:xfrm>
+            <a:off x="925110" y="2016736"/>
+            <a:ext cx="11094720" cy="1077218"/>
+          </a:xfrm>
+          <a:prstGeom prst="rect">
+            <a:avLst/>
+          </a:prstGeom>
+          <a:noFill/>
+        </p:spPr>
+        <p:txBody>
+          <a:bodyPr wrap="square" rtlCol="0">
+            <a:spAutoFit/>
+          </a:bodyPr>
+          <a:lstStyle/>
+          <a:p>
+            <a:endParaRPr lang="is-IS" sz="1600" dirty="0">
+              <a:latin typeface="Monaco" charset="0"/>
+              <a:ea typeface="Monaco" charset="0"/>
+              <a:cs typeface="Monaco" charset="0"/>
+            </a:endParaRPr>
+          </a:p>
+          <a:p>
+            <a:pPr marL="285750" indent="-285750">
+              <a:buFont typeface=".AppleSystemUIFont" charset="-120"/>
+              <a:buChar char="&gt;"/>
+            </a:pPr>
+            <a:r>
+              <a:rPr lang="is-IS" sz="1600" b="1" dirty="0" smtClean="0">
+                <a:latin typeface="Monaco" charset="0"/>
+                <a:ea typeface="Monaco" charset="0"/>
+                <a:cs typeface="Monaco" charset="0"/>
+              </a:rPr>
+              <a:t>ggplot(iris, aes(x = Species, fill = </a:t>
+            </a:r>
+            <a:r>
+              <a:rPr lang="is-IS" sz="1600" b="1" dirty="0" smtClean="0">
+                <a:latin typeface="Monaco" charset="0"/>
+                <a:ea typeface="Monaco" charset="0"/>
+                <a:cs typeface="Monaco" charset="0"/>
+              </a:rPr>
+              <a:t>size)) </a:t>
+            </a:r>
+            <a:r>
+              <a:rPr lang="is-IS" sz="1600" b="1" dirty="0" smtClean="0">
+                <a:latin typeface="Monaco" charset="0"/>
+                <a:ea typeface="Monaco" charset="0"/>
+                <a:cs typeface="Monaco" charset="0"/>
+              </a:rPr>
+              <a:t>+ geom_bar()</a:t>
+            </a:r>
+          </a:p>
+          <a:p>
+            <a:r>
+              <a:rPr lang="is-IS" sz="1600" b="1" dirty="0" smtClean="0">
+                <a:latin typeface="Monaco" charset="0"/>
+                <a:ea typeface="Monaco" charset="0"/>
+                <a:cs typeface="Monaco" charset="0"/>
+              </a:rPr>
+              <a:t>      </a:t>
+            </a:r>
+            <a:endParaRPr lang="is-IS" sz="1600" b="1" dirty="0">
+              <a:latin typeface="Monaco" charset="0"/>
+              <a:ea typeface="Monaco" charset="0"/>
+              <a:cs typeface="Monaco" charset="0"/>
+            </a:endParaRPr>
+          </a:p>
+          <a:p>
+            <a:pPr marL="285750" indent="-285750">
+              <a:buFont typeface="Wingdings" charset="2"/>
+              <a:buChar char="Ø"/>
+            </a:pPr>
+            <a:endParaRPr lang="is-IS" sz="1600" b="1" dirty="0" smtClean="0">
+              <a:latin typeface="Monaco" charset="0"/>
+              <a:ea typeface="Monaco" charset="0"/>
+              <a:cs typeface="Monaco" charset="0"/>
+            </a:endParaRPr>
+          </a:p>
+        </p:txBody>
+      </p:sp>
+      <p:pic>
+        <p:nvPicPr>
+          <p:cNvPr id="6" name="Picture 5"/>
+          <p:cNvPicPr>
+            <a:picLocks noChangeAspect="1"/>
+          </p:cNvPicPr>
+          <p:nvPr/>
+        </p:nvPicPr>
+        <p:blipFill>
+          <a:blip r:embed="rId2">
+            <a:extLst>
+              <a:ext uri="{28A0092B-C50C-407E-A947-70E740481C1C}">
+                <a14:useLocalDpi xmlns:a14="http://schemas.microsoft.com/office/drawing/2010/main" val="0"/>
+              </a:ext>
+            </a:extLst>
+          </a:blip>
+          <a:stretch>
+            <a:fillRect/>
+          </a:stretch>
+        </p:blipFill>
+        <p:spPr>
+          <a:xfrm>
+            <a:off x="6853873" y="2697345"/>
+            <a:ext cx="5240852" cy="3477224"/>
+          </a:xfrm>
+          <a:prstGeom prst="rect">
+            <a:avLst/>
+          </a:prstGeom>
+        </p:spPr>
+      </p:pic>
+    </p:spTree>
+    <p:extLst>
+      <p:ext uri="{BB962C8B-B14F-4D97-AF65-F5344CB8AC3E}">
+        <p14:creationId xmlns:p14="http://schemas.microsoft.com/office/powerpoint/2010/main" val="1492287986"/>
+      </p:ext>
+    </p:extLst>
+  </p:cSld>
+  <p:clrMapOvr>
+    <a:masterClrMapping/>
+  </p:clrMapOvr>
+</p:sld>
+</file>
+
+<file path=ppt/slides/slide41.xml><?xml version="1.0" encoding="utf-8"?>
+<p:sld xmlns:a="http://schemas.openxmlformats.org/drawingml/2006/main" xmlns:r="http://schemas.openxmlformats.org/officeDocument/2006/relationships" xmlns:p="http://schemas.openxmlformats.org/presentationml/2006/main">
+  <p:cSld>
+    <p:spTree>
+      <p:nvGrpSpPr>
+        <p:cNvPr id="1" name=""/>
+        <p:cNvGrpSpPr/>
+        <p:nvPr/>
+      </p:nvGrpSpPr>
+      <p:grpSpPr>
+        <a:xfrm>
+          <a:off x="0" y="0"/>
+          <a:ext cx="0" cy="0"/>
+          <a:chOff x="0" y="0"/>
+          <a:chExt cx="0" cy="0"/>
+        </a:xfrm>
+      </p:grpSpPr>
+      <p:sp>
+        <p:nvSpPr>
+          <p:cNvPr id="2" name="Title 1"/>
+          <p:cNvSpPr>
+            <a:spLocks noGrp="1"/>
+          </p:cNvSpPr>
+          <p:nvPr>
+            <p:ph type="title"/>
+          </p:nvPr>
+        </p:nvSpPr>
+        <p:spPr/>
+        <p:txBody>
+          <a:bodyPr/>
+          <a:lstStyle/>
+          <a:p>
+            <a:r>
+              <a:rPr lang="en-US" dirty="0" smtClean="0"/>
+              <a:t>Stacked/grouped bar plot</a:t>
+            </a:r>
+            <a:endParaRPr lang="en-US" dirty="0"/>
+          </a:p>
+        </p:txBody>
+      </p:sp>
+      <p:sp>
+        <p:nvSpPr>
+          <p:cNvPr id="4" name="TextBox 3"/>
+          <p:cNvSpPr txBox="1"/>
+          <p:nvPr/>
+        </p:nvSpPr>
+        <p:spPr>
+          <a:xfrm>
+            <a:off x="925110" y="2016736"/>
+            <a:ext cx="11094720" cy="1077218"/>
+          </a:xfrm>
+          <a:prstGeom prst="rect">
+            <a:avLst/>
+          </a:prstGeom>
+          <a:noFill/>
+        </p:spPr>
+        <p:txBody>
+          <a:bodyPr wrap="square" rtlCol="0">
+            <a:spAutoFit/>
+          </a:bodyPr>
+          <a:lstStyle/>
+          <a:p>
+            <a:endParaRPr lang="is-IS" sz="1600" dirty="0">
+              <a:latin typeface="Monaco" charset="0"/>
+              <a:ea typeface="Monaco" charset="0"/>
+              <a:cs typeface="Monaco" charset="0"/>
+            </a:endParaRPr>
+          </a:p>
+          <a:p>
+            <a:pPr marL="285750" indent="-285750">
+              <a:buFont typeface=".AppleSystemUIFont" charset="-120"/>
+              <a:buChar char="&gt;"/>
+            </a:pPr>
+            <a:r>
+              <a:rPr lang="is-IS" sz="1600" b="1" dirty="0" smtClean="0">
+                <a:latin typeface="Monaco" charset="0"/>
+                <a:ea typeface="Monaco" charset="0"/>
+                <a:cs typeface="Monaco" charset="0"/>
+              </a:rPr>
+              <a:t>ggplot(iris, aes(x = Species, fill = </a:t>
+            </a:r>
+            <a:r>
+              <a:rPr lang="is-IS" sz="1600" b="1" dirty="0" smtClean="0">
+                <a:latin typeface="Monaco" charset="0"/>
+                <a:ea typeface="Monaco" charset="0"/>
+                <a:cs typeface="Monaco" charset="0"/>
+              </a:rPr>
+              <a:t>size)) </a:t>
+            </a:r>
+            <a:r>
+              <a:rPr lang="is-IS" sz="1600" b="1" dirty="0" smtClean="0">
+                <a:latin typeface="Monaco" charset="0"/>
+                <a:ea typeface="Monaco" charset="0"/>
+                <a:cs typeface="Monaco" charset="0"/>
+              </a:rPr>
+              <a:t>+ geom_bar</a:t>
+            </a:r>
+            <a:r>
+              <a:rPr lang="is-IS" sz="1600" b="1" dirty="0" smtClean="0">
+                <a:latin typeface="Monaco" charset="0"/>
+                <a:ea typeface="Monaco" charset="0"/>
+                <a:cs typeface="Monaco" charset="0"/>
+              </a:rPr>
+              <a:t>( </a:t>
+            </a:r>
+            <a:r>
+              <a:rPr lang="is-IS" sz="1600" b="1" dirty="0" smtClean="0">
+                <a:solidFill>
+                  <a:schemeClr val="accent1"/>
+                </a:solidFill>
+                <a:latin typeface="Monaco" charset="0"/>
+                <a:ea typeface="Monaco" charset="0"/>
+                <a:cs typeface="Monaco" charset="0"/>
+              </a:rPr>
+              <a:t>position = "dodge" </a:t>
+            </a:r>
+            <a:r>
+              <a:rPr lang="is-IS" sz="1600" b="1" dirty="0" smtClean="0">
+                <a:latin typeface="Monaco" charset="0"/>
+                <a:ea typeface="Monaco" charset="0"/>
+                <a:cs typeface="Monaco" charset="0"/>
+              </a:rPr>
+              <a:t>)</a:t>
+            </a:r>
+            <a:endParaRPr lang="is-IS" sz="1600" b="1" dirty="0" smtClean="0">
+              <a:latin typeface="Monaco" charset="0"/>
+              <a:ea typeface="Monaco" charset="0"/>
+              <a:cs typeface="Monaco" charset="0"/>
+            </a:endParaRPr>
+          </a:p>
+          <a:p>
+            <a:r>
+              <a:rPr lang="is-IS" sz="1600" b="1" dirty="0" smtClean="0">
+                <a:latin typeface="Monaco" charset="0"/>
+                <a:ea typeface="Monaco" charset="0"/>
+                <a:cs typeface="Monaco" charset="0"/>
+              </a:rPr>
+              <a:t>      </a:t>
+            </a:r>
+            <a:endParaRPr lang="is-IS" sz="1600" b="1" dirty="0">
+              <a:latin typeface="Monaco" charset="0"/>
+              <a:ea typeface="Monaco" charset="0"/>
+              <a:cs typeface="Monaco" charset="0"/>
+            </a:endParaRPr>
+          </a:p>
+          <a:p>
+            <a:pPr marL="285750" indent="-285750">
+              <a:buFont typeface="Wingdings" charset="2"/>
+              <a:buChar char="Ø"/>
+            </a:pPr>
+            <a:endParaRPr lang="is-IS" sz="1600" b="1" dirty="0" smtClean="0">
+              <a:latin typeface="Monaco" charset="0"/>
+              <a:ea typeface="Monaco" charset="0"/>
+              <a:cs typeface="Monaco" charset="0"/>
+            </a:endParaRPr>
+          </a:p>
+        </p:txBody>
+      </p:sp>
+      <p:pic>
+        <p:nvPicPr>
+          <p:cNvPr id="5" name="Picture 4"/>
+          <p:cNvPicPr>
+            <a:picLocks noChangeAspect="1"/>
+          </p:cNvPicPr>
+          <p:nvPr/>
+        </p:nvPicPr>
+        <p:blipFill>
+          <a:blip r:embed="rId2">
+            <a:extLst>
+              <a:ext uri="{28A0092B-C50C-407E-A947-70E740481C1C}">
+                <a14:useLocalDpi xmlns:a14="http://schemas.microsoft.com/office/drawing/2010/main" val="0"/>
+              </a:ext>
+            </a:extLst>
+          </a:blip>
+          <a:stretch>
+            <a:fillRect/>
+          </a:stretch>
+        </p:blipFill>
+        <p:spPr>
+          <a:xfrm>
+            <a:off x="6698530" y="2733742"/>
+            <a:ext cx="5321300" cy="3530600"/>
+          </a:xfrm>
+          <a:prstGeom prst="rect">
+            <a:avLst/>
+          </a:prstGeom>
+        </p:spPr>
+      </p:pic>
+    </p:spTree>
+    <p:extLst>
+      <p:ext uri="{BB962C8B-B14F-4D97-AF65-F5344CB8AC3E}">
+        <p14:creationId xmlns:p14="http://schemas.microsoft.com/office/powerpoint/2010/main" val="1840237658"/>
+      </p:ext>
+    </p:extLst>
+  </p:cSld>
+  <p:clrMapOvr>
+    <a:masterClrMapping/>
+  </p:clrMapOvr>
+</p:sld>
+</file>
+
+<file path=ppt/slides/slide42.xml><?xml version="1.0" encoding="utf-8"?>
+<p:sld xmlns:a="http://schemas.openxmlformats.org/drawingml/2006/main" xmlns:r="http://schemas.openxmlformats.org/officeDocument/2006/relationships" xmlns:p="http://schemas.openxmlformats.org/presentationml/2006/main">
+  <p:cSld>
+    <p:spTree>
+      <p:nvGrpSpPr>
+        <p:cNvPr id="1" name=""/>
+        <p:cNvGrpSpPr/>
+        <p:nvPr/>
+      </p:nvGrpSpPr>
+      <p:grpSpPr>
+        <a:xfrm>
+          <a:off x="0" y="0"/>
+          <a:ext cx="0" cy="0"/>
+          <a:chOff x="0" y="0"/>
+          <a:chExt cx="0" cy="0"/>
+        </a:xfrm>
+      </p:grpSpPr>
+      <p:sp>
+        <p:nvSpPr>
+          <p:cNvPr id="2" name="Title 1"/>
+          <p:cNvSpPr>
+            <a:spLocks noGrp="1"/>
+          </p:cNvSpPr>
+          <p:nvPr>
+            <p:ph type="title"/>
+          </p:nvPr>
+        </p:nvSpPr>
+        <p:spPr/>
+        <p:txBody>
+          <a:bodyPr/>
+          <a:lstStyle/>
+          <a:p>
+            <a:r>
+              <a:rPr lang="en-US" dirty="0" smtClean="0"/>
+              <a:t>Density plot</a:t>
+            </a:r>
+            <a:endParaRPr lang="en-US" dirty="0"/>
+          </a:p>
+        </p:txBody>
+      </p:sp>
+      <p:sp>
+        <p:nvSpPr>
+          <p:cNvPr id="4" name="TextBox 3"/>
+          <p:cNvSpPr txBox="1"/>
+          <p:nvPr/>
+        </p:nvSpPr>
+        <p:spPr>
+          <a:xfrm>
+            <a:off x="925110" y="2016736"/>
+            <a:ext cx="11094720" cy="830997"/>
+          </a:xfrm>
+          <a:prstGeom prst="rect">
+            <a:avLst/>
+          </a:prstGeom>
+          <a:noFill/>
+        </p:spPr>
+        <p:txBody>
+          <a:bodyPr wrap="square" rtlCol="0">
+            <a:spAutoFit/>
+          </a:bodyPr>
+          <a:lstStyle/>
+          <a:p>
+            <a:pPr marL="285750" indent="-285750">
+              <a:buFont typeface=".AppleSystemUIFont" charset="-120"/>
+              <a:buChar char="&gt;"/>
+            </a:pPr>
+            <a:endParaRPr lang="is-IS" sz="1600" b="1" dirty="0" smtClean="0">
+              <a:latin typeface="Monaco" charset="0"/>
+              <a:ea typeface="Monaco" charset="0"/>
+              <a:cs typeface="Monaco" charset="0"/>
+            </a:endParaRPr>
+          </a:p>
+          <a:p>
+            <a:pPr marL="285750" indent="-285750">
+              <a:buFont typeface=".AppleSystemUIFont" charset="-120"/>
+              <a:buChar char="&gt;"/>
+            </a:pPr>
+            <a:r>
+              <a:rPr lang="is-IS" sz="1600" b="1" dirty="0" smtClean="0">
+                <a:latin typeface="Monaco" charset="0"/>
+                <a:ea typeface="Monaco" charset="0"/>
+                <a:cs typeface="Monaco" charset="0"/>
+              </a:rPr>
+              <a:t>ggplot(iris, aes(x = Species, y = Sepal.Length, fill = Species)) + geom_density()</a:t>
+            </a:r>
+            <a:endParaRPr lang="is-IS" sz="1600" b="1" dirty="0">
+              <a:latin typeface="Monaco" charset="0"/>
+              <a:ea typeface="Monaco" charset="0"/>
+              <a:cs typeface="Monaco" charset="0"/>
+            </a:endParaRPr>
+          </a:p>
+          <a:p>
+            <a:pPr marL="285750" indent="-285750">
+              <a:buFont typeface=".AppleSystemUIFont" charset="-120"/>
+              <a:buChar char="&gt;"/>
+            </a:pPr>
+            <a:endParaRPr lang="is-IS" sz="1600" b="1" dirty="0" smtClean="0">
+              <a:latin typeface="Monaco" charset="0"/>
+              <a:ea typeface="Monaco" charset="0"/>
+              <a:cs typeface="Monaco" charset="0"/>
+            </a:endParaRPr>
+          </a:p>
+        </p:txBody>
+      </p:sp>
+      <p:pic>
+        <p:nvPicPr>
+          <p:cNvPr id="5" name="Picture 4"/>
+          <p:cNvPicPr>
+            <a:picLocks noChangeAspect="1"/>
+          </p:cNvPicPr>
+          <p:nvPr/>
+        </p:nvPicPr>
+        <p:blipFill>
+          <a:blip r:embed="rId2">
+            <a:extLst>
+              <a:ext uri="{28A0092B-C50C-407E-A947-70E740481C1C}">
+                <a14:useLocalDpi xmlns:a14="http://schemas.microsoft.com/office/drawing/2010/main" val="0"/>
+              </a:ext>
+            </a:extLst>
+          </a:blip>
+          <a:stretch>
+            <a:fillRect/>
+          </a:stretch>
+        </p:blipFill>
+        <p:spPr>
+          <a:xfrm>
+            <a:off x="6492240" y="2847733"/>
+            <a:ext cx="5527590" cy="3450623"/>
+          </a:xfrm>
+          <a:prstGeom prst="rect">
+            <a:avLst/>
+          </a:prstGeom>
+        </p:spPr>
+      </p:pic>
+      <p:sp>
+        <p:nvSpPr>
+          <p:cNvPr id="7" name="TextBox 6"/>
+          <p:cNvSpPr txBox="1"/>
+          <p:nvPr/>
+        </p:nvSpPr>
+        <p:spPr>
+          <a:xfrm>
+            <a:off x="1097280" y="4907280"/>
+            <a:ext cx="5375190" cy="369332"/>
+          </a:xfrm>
+          <a:prstGeom prst="rect">
+            <a:avLst/>
+          </a:prstGeom>
+          <a:noFill/>
+        </p:spPr>
+        <p:txBody>
+          <a:bodyPr wrap="square" rtlCol="0">
+            <a:spAutoFit/>
+          </a:bodyPr>
+          <a:lstStyle/>
+          <a:p>
+            <a:r>
+              <a:rPr lang="en-US" dirty="0" smtClean="0">
+                <a:solidFill>
+                  <a:srgbClr val="FF0000"/>
+                </a:solidFill>
+              </a:rPr>
+              <a:t>What does the tail of the </a:t>
+            </a:r>
+            <a:r>
+              <a:rPr lang="en-US" dirty="0" err="1" smtClean="0">
+                <a:solidFill>
+                  <a:srgbClr val="FF0000"/>
+                </a:solidFill>
+              </a:rPr>
+              <a:t>setosa</a:t>
+            </a:r>
+            <a:r>
+              <a:rPr lang="en-US" dirty="0" smtClean="0">
+                <a:solidFill>
+                  <a:srgbClr val="FF0000"/>
+                </a:solidFill>
+              </a:rPr>
+              <a:t> distribution look like?</a:t>
+            </a:r>
+            <a:endParaRPr lang="en-US" dirty="0">
+              <a:solidFill>
+                <a:srgbClr val="FF0000"/>
+              </a:solidFill>
+            </a:endParaRPr>
+          </a:p>
+        </p:txBody>
+      </p:sp>
+    </p:spTree>
+    <p:extLst>
+      <p:ext uri="{BB962C8B-B14F-4D97-AF65-F5344CB8AC3E}">
+        <p14:creationId xmlns:p14="http://schemas.microsoft.com/office/powerpoint/2010/main" val="316236210"/>
+      </p:ext>
+    </p:extLst>
+  </p:cSld>
+  <p:clrMapOvr>
+    <a:masterClrMapping/>
+  </p:clrMapOvr>
+  <p:timing>
+    <p:tnLst>
+      <p:par>
+        <p:cTn id="1" dur="indefinite" restart="never" nodeType="tmRoot">
+          <p:childTnLst>
+            <p:seq concurrent="1" nextAc="seek">
+              <p:cTn id="2" dur="indefinite" nodeType="mainSeq">
+                <p:childTnLst>
+                  <p:par>
+                    <p:cTn id="3" fill="hold">
+                      <p:stCondLst>
+                        <p:cond delay="indefinite"/>
+                      </p:stCondLst>
+                      <p:childTnLst>
+                        <p:par>
+                          <p:cTn id="4" fill="hold">
+                            <p:stCondLst>
+                              <p:cond delay="0"/>
+                            </p:stCondLst>
+                            <p:childTnLst>
+                              <p:par>
+                                <p:cTn id="5" presetID="1" presetClass="entr" presetSubtype="0" fill="hold" grpId="0" nodeType="clickEffect">
+                                  <p:stCondLst>
+                                    <p:cond delay="0"/>
+                                  </p:stCondLst>
+                                  <p:childTnLst>
+                                    <p:set>
+                                      <p:cBhvr>
+                                        <p:cTn id="6" dur="1" fill="hold">
+                                          <p:stCondLst>
+                                            <p:cond delay="0"/>
+                                          </p:stCondLst>
+                                        </p:cTn>
+                                        <p:tgtEl>
+                                          <p:spTgt spid="7"/>
+                                        </p:tgtEl>
+                                        <p:attrNameLst>
+                                          <p:attrName>style.visibility</p:attrName>
+                                        </p:attrNameLst>
+                                      </p:cBhvr>
+                                      <p:to>
+                                        <p:strVal val="visible"/>
+                                      </p:to>
+                                    </p:set>
+                                  </p:childTnLst>
+                                </p:cTn>
+                              </p:par>
+                            </p:childTnLst>
+                          </p:cTn>
+                        </p:par>
+                      </p:childTnLst>
+                    </p:cTn>
+                  </p:par>
+                </p:childTnLst>
+              </p:cTn>
+              <p:prevCondLst>
+                <p:cond evt="onPrev" delay="0">
+                  <p:tgtEl>
+                    <p:sldTgt/>
+                  </p:tgtEl>
+                </p:cond>
+              </p:prevCondLst>
+              <p:nextCondLst>
+                <p:cond evt="onNext" delay="0">
+                  <p:tgtEl>
+                    <p:sldTgt/>
+                  </p:tgtEl>
+                </p:cond>
+              </p:nextCondLst>
+            </p:seq>
+          </p:childTnLst>
+        </p:cTn>
+      </p:par>
+    </p:tnLst>
+    <p:bldLst>
+      <p:bldP spid="7" grpId="0"/>
+    </p:bldLst>
+  </p:timing>
+</p:sld>
+</file>
+
+<file path=ppt/slides/slide43.xml><?xml version="1.0" encoding="utf-8"?>
+<p:sld xmlns:a="http://schemas.openxmlformats.org/drawingml/2006/main" xmlns:r="http://schemas.openxmlformats.org/officeDocument/2006/relationships" xmlns:p="http://schemas.openxmlformats.org/presentationml/2006/main">
+  <p:cSld>
+    <p:spTree>
+      <p:nvGrpSpPr>
+        <p:cNvPr id="1" name=""/>
+        <p:cNvGrpSpPr/>
+        <p:nvPr/>
+      </p:nvGrpSpPr>
+      <p:grpSpPr>
+        <a:xfrm>
+          <a:off x="0" y="0"/>
+          <a:ext cx="0" cy="0"/>
+          <a:chOff x="0" y="0"/>
+          <a:chExt cx="0" cy="0"/>
+        </a:xfrm>
+      </p:grpSpPr>
+      <p:sp>
+        <p:nvSpPr>
+          <p:cNvPr id="2" name="Title 1"/>
+          <p:cNvSpPr>
+            <a:spLocks noGrp="1"/>
+          </p:cNvSpPr>
+          <p:nvPr>
+            <p:ph type="title"/>
+          </p:nvPr>
+        </p:nvSpPr>
+        <p:spPr/>
+        <p:txBody>
+          <a:bodyPr/>
+          <a:lstStyle/>
+          <a:p>
+            <a:r>
+              <a:rPr lang="en-US" dirty="0" smtClean="0"/>
+              <a:t>Density plot</a:t>
+            </a:r>
+            <a:endParaRPr lang="en-US" dirty="0"/>
+          </a:p>
+        </p:txBody>
+      </p:sp>
+      <p:sp>
+        <p:nvSpPr>
+          <p:cNvPr id="4" name="TextBox 3"/>
+          <p:cNvSpPr txBox="1"/>
+          <p:nvPr/>
+        </p:nvSpPr>
+        <p:spPr>
+          <a:xfrm>
+            <a:off x="576194" y="2040800"/>
+            <a:ext cx="11094720" cy="1077218"/>
+          </a:xfrm>
+          <a:prstGeom prst="rect">
+            <a:avLst/>
+          </a:prstGeom>
+          <a:noFill/>
+        </p:spPr>
+        <p:txBody>
+          <a:bodyPr wrap="square" rtlCol="0">
+            <a:spAutoFit/>
+          </a:bodyPr>
+          <a:lstStyle/>
+          <a:p>
+            <a:pPr marL="285750" indent="-285750">
+              <a:buFont typeface=".AppleSystemUIFont" charset="-120"/>
+              <a:buChar char="&gt;"/>
+            </a:pPr>
+            <a:endParaRPr lang="is-IS" sz="1600" b="1" dirty="0" smtClean="0">
+              <a:latin typeface="Monaco" charset="0"/>
+              <a:ea typeface="Monaco" charset="0"/>
+              <a:cs typeface="Monaco" charset="0"/>
+            </a:endParaRPr>
+          </a:p>
+          <a:p>
+            <a:pPr marL="285750" indent="-285750">
+              <a:buFont typeface=".AppleSystemUIFont" charset="-120"/>
+              <a:buChar char="&gt;"/>
+            </a:pPr>
+            <a:r>
+              <a:rPr lang="is-IS" sz="1600" b="1" dirty="0" smtClean="0">
+                <a:latin typeface="Monaco" charset="0"/>
+                <a:ea typeface="Monaco" charset="0"/>
+                <a:cs typeface="Monaco" charset="0"/>
+              </a:rPr>
+              <a:t>ggplot(iris, aes(x = Species, y = Sepal.Length, fill = Species)) + </a:t>
+            </a:r>
+          </a:p>
+          <a:p>
+            <a:pPr lvl="1"/>
+            <a:r>
+              <a:rPr lang="is-IS" sz="1600" b="1" dirty="0" smtClean="0">
+                <a:latin typeface="Monaco" charset="0"/>
+                <a:ea typeface="Monaco" charset="0"/>
+                <a:cs typeface="Monaco" charset="0"/>
+              </a:rPr>
+              <a:t>geom_density( </a:t>
+            </a:r>
+            <a:r>
+              <a:rPr lang="is-IS" sz="1600" b="1" dirty="0" smtClean="0">
+                <a:solidFill>
+                  <a:srgbClr val="00B0F0"/>
+                </a:solidFill>
+                <a:latin typeface="Monaco" charset="0"/>
+                <a:ea typeface="Monaco" charset="0"/>
+                <a:cs typeface="Monaco" charset="0"/>
+              </a:rPr>
+              <a:t>alpha = 0.5 </a:t>
+            </a:r>
+            <a:r>
+              <a:rPr lang="is-IS" sz="1600" b="1" dirty="0" smtClean="0">
+                <a:latin typeface="Monaco" charset="0"/>
+                <a:ea typeface="Monaco" charset="0"/>
+                <a:cs typeface="Monaco" charset="0"/>
+              </a:rPr>
+              <a:t>)</a:t>
+            </a:r>
+            <a:endParaRPr lang="is-IS" sz="1600" b="1" dirty="0">
+              <a:latin typeface="Monaco" charset="0"/>
+              <a:ea typeface="Monaco" charset="0"/>
+              <a:cs typeface="Monaco" charset="0"/>
+            </a:endParaRPr>
+          </a:p>
+          <a:p>
+            <a:pPr marL="285750" indent="-285750">
+              <a:buFont typeface=".AppleSystemUIFont" charset="-120"/>
+              <a:buChar char="&gt;"/>
+            </a:pPr>
+            <a:endParaRPr lang="is-IS" sz="1600" b="1" dirty="0" smtClean="0">
+              <a:latin typeface="Monaco" charset="0"/>
+              <a:ea typeface="Monaco" charset="0"/>
+              <a:cs typeface="Monaco" charset="0"/>
+            </a:endParaRPr>
+          </a:p>
+        </p:txBody>
+      </p:sp>
+      <p:pic>
+        <p:nvPicPr>
+          <p:cNvPr id="6" name="Picture 5"/>
+          <p:cNvPicPr>
+            <a:picLocks noChangeAspect="1"/>
+          </p:cNvPicPr>
+          <p:nvPr/>
+        </p:nvPicPr>
+        <p:blipFill>
+          <a:blip r:embed="rId2">
+            <a:extLst>
+              <a:ext uri="{28A0092B-C50C-407E-A947-70E740481C1C}">
+                <a14:useLocalDpi xmlns:a14="http://schemas.microsoft.com/office/drawing/2010/main" val="0"/>
+              </a:ext>
+            </a:extLst>
+          </a:blip>
+          <a:stretch>
+            <a:fillRect/>
+          </a:stretch>
+        </p:blipFill>
+        <p:spPr>
+          <a:xfrm>
+            <a:off x="6130653" y="2731168"/>
+            <a:ext cx="5955302" cy="3717624"/>
+          </a:xfrm>
+          <a:prstGeom prst="rect">
+            <a:avLst/>
+          </a:prstGeom>
+        </p:spPr>
+      </p:pic>
+    </p:spTree>
+    <p:extLst>
+      <p:ext uri="{BB962C8B-B14F-4D97-AF65-F5344CB8AC3E}">
+        <p14:creationId xmlns:p14="http://schemas.microsoft.com/office/powerpoint/2010/main" val="1558393245"/>
       </p:ext>
     </p:extLst>
   </p:cSld>
@@ -10676,14 +13348,14 @@
             <p:ph idx="1"/>
             <p:extLst>
               <p:ext uri="{D42A27DB-BD31-4B8C-83A1-F6EECF244321}">
-                <p14:modId xmlns:p14="http://schemas.microsoft.com/office/powerpoint/2010/main" val="796513915"/>
+                <p14:modId xmlns:p14="http://schemas.microsoft.com/office/powerpoint/2010/main" val="1135160555"/>
               </p:ext>
             </p:extLst>
           </p:nvPr>
         </p:nvGraphicFramePr>
         <p:xfrm>
-          <a:off x="3075418" y="2426834"/>
-          <a:ext cx="6102123" cy="2743200"/>
+          <a:off x="3075418" y="2057502"/>
+          <a:ext cx="6554965" cy="3432674"/>
         </p:xfrm>
         <a:graphic>
           <a:graphicData uri="http://schemas.openxmlformats.org/drawingml/2006/table">
@@ -10692,10 +13364,10 @@
                 <a:tableStyleId>{5C22544A-7EE6-4342-B048-85BDC9FD1C3A}</a:tableStyleId>
               </a:tblPr>
               <a:tblGrid>
-                <a:gridCol w="1820409"/>
-                <a:gridCol w="4281714"/>
+                <a:gridCol w="1955503"/>
+                <a:gridCol w="4599462"/>
               </a:tblGrid>
-              <a:tr h="370840">
+              <a:tr h="490382">
                 <a:tc>
                   <a:txBody>
                     <a:bodyPr/>
@@ -10779,7 +13451,7 @@
                   </a:tcPr>
                 </a:tc>
               </a:tr>
-              <a:tr h="370840">
+              <a:tr h="490382">
                 <a:tc>
                   <a:txBody>
                     <a:bodyPr/>
@@ -10881,7 +13553,7 @@
                   </a:tcPr>
                 </a:tc>
               </a:tr>
-              <a:tr h="370840">
+              <a:tr h="490382">
                 <a:tc>
                   <a:txBody>
                     <a:bodyPr/>
@@ -10983,7 +13655,7 @@
                   </a:tcPr>
                 </a:tc>
               </a:tr>
-              <a:tr h="370840">
+              <a:tr h="490382">
                 <a:tc>
                   <a:txBody>
                     <a:bodyPr/>
@@ -11104,7 +13776,125 @@
                   </a:tcPr>
                 </a:tc>
               </a:tr>
-              <a:tr h="370840">
+              <a:tr h="490382">
+                <a:tc>
+                  <a:txBody>
+                    <a:bodyPr/>
+                    <a:lstStyle/>
+                    <a:p>
+                      <a:r>
+                        <a:rPr lang="en-US" b="1" dirty="0" smtClean="0">
+                          <a:solidFill>
+                            <a:schemeClr val="tx1"/>
+                          </a:solidFill>
+                          <a:latin typeface="Monaco" charset="0"/>
+                          <a:ea typeface="Monaco" charset="0"/>
+                          <a:cs typeface="Monaco" charset="0"/>
+                        </a:rPr>
+                        <a:t>tally()</a:t>
+                      </a:r>
+                      <a:endParaRPr lang="en-US" b="1" dirty="0" smtClean="0">
+                        <a:solidFill>
+                          <a:schemeClr val="tx1"/>
+                        </a:solidFill>
+                        <a:latin typeface="Monaco" charset="0"/>
+                        <a:ea typeface="Monaco" charset="0"/>
+                        <a:cs typeface="Monaco" charset="0"/>
+                      </a:endParaRPr>
+                    </a:p>
+                  </a:txBody>
+                  <a:tcPr>
+                    <a:lnR w="12700" cap="flat" cmpd="sng" algn="ctr">
+                      <a:solidFill>
+                        <a:schemeClr val="tx1"/>
+                      </a:solidFill>
+                      <a:prstDash val="solid"/>
+                      <a:round/>
+                      <a:headEnd type="none" w="med" len="med"/>
+                      <a:tailEnd type="none" w="med" len="med"/>
+                    </a:lnR>
+                    <a:lnT w="12700" cap="flat" cmpd="sng" algn="ctr">
+                      <a:solidFill>
+                        <a:schemeClr val="tx1"/>
+                      </a:solidFill>
+                      <a:prstDash val="solid"/>
+                      <a:round/>
+                      <a:headEnd type="none" w="med" len="med"/>
+                      <a:tailEnd type="none" w="med" len="med"/>
+                    </a:lnT>
+                    <a:lnB w="12700" cap="flat" cmpd="sng" algn="ctr">
+                      <a:solidFill>
+                        <a:schemeClr val="tx1"/>
+                      </a:solidFill>
+                      <a:prstDash val="solid"/>
+                      <a:round/>
+                      <a:headEnd type="none" w="med" len="med"/>
+                      <a:tailEnd type="none" w="med" len="med"/>
+                    </a:lnB>
+                    <a:noFill/>
+                  </a:tcPr>
+                </a:tc>
+                <a:tc>
+                  <a:txBody>
+                    <a:bodyPr/>
+                    <a:lstStyle/>
+                    <a:p>
+                      <a:r>
+                        <a:rPr lang="en-US" sz="2400" b="0" dirty="0" smtClean="0">
+                          <a:solidFill>
+                            <a:schemeClr val="tx1"/>
+                          </a:solidFill>
+                        </a:rPr>
+                        <a:t>count</a:t>
+                      </a:r>
+                      <a:r>
+                        <a:rPr lang="en-US" sz="2400" b="0" baseline="0" dirty="0" smtClean="0">
+                          <a:solidFill>
+                            <a:schemeClr val="tx1"/>
+                          </a:solidFill>
+                        </a:rPr>
+                        <a:t> observations in a grouping</a:t>
+                      </a:r>
+                      <a:endParaRPr lang="en-US" sz="2400" b="0" dirty="0">
+                        <a:solidFill>
+                          <a:schemeClr val="tx1"/>
+                        </a:solidFill>
+                      </a:endParaRPr>
+                    </a:p>
+                  </a:txBody>
+                  <a:tcPr>
+                    <a:lnL w="12700" cap="flat" cmpd="sng" algn="ctr">
+                      <a:solidFill>
+                        <a:schemeClr val="tx1"/>
+                      </a:solidFill>
+                      <a:prstDash val="solid"/>
+                      <a:round/>
+                      <a:headEnd type="none" w="med" len="med"/>
+                      <a:tailEnd type="none" w="med" len="med"/>
+                    </a:lnL>
+                    <a:lnT w="12700" cap="flat" cmpd="sng" algn="ctr">
+                      <a:solidFill>
+                        <a:schemeClr val="tx1"/>
+                      </a:solidFill>
+                      <a:prstDash val="solid"/>
+                      <a:round/>
+                      <a:headEnd type="none" w="med" len="med"/>
+                      <a:tailEnd type="none" w="med" len="med"/>
+                    </a:lnT>
+                    <a:lnB w="12700" cap="flat" cmpd="sng" algn="ctr">
+                      <a:solidFill>
+                        <a:schemeClr val="tx1"/>
+                      </a:solidFill>
+                      <a:prstDash val="solid"/>
+                      <a:round/>
+                      <a:headEnd type="none" w="med" len="med"/>
+                      <a:tailEnd type="none" w="med" len="med"/>
+                    </a:lnB>
+                    <a:noFill/>
+                  </a:tcPr>
+                </a:tc>
+              </a:tr>
+              <a:tr h="490382">
                 <a:tc>
                   <a:txBody>
                     <a:bodyPr/>
@@ -11214,7 +14004,7 @@
                   </a:tcPr>
                 </a:tc>
               </a:tr>
-              <a:tr h="370840">
+              <a:tr h="490382">
                 <a:tc>
                   <a:txBody>
                     <a:bodyPr/>
@@ -11302,6 +14092,44 @@
           </a:graphicData>
         </a:graphic>
       </p:graphicFrame>
+      <p:sp>
+        <p:nvSpPr>
+          <p:cNvPr id="3" name="TextBox 2"/>
+          <p:cNvSpPr txBox="1"/>
+          <p:nvPr/>
+        </p:nvSpPr>
+        <p:spPr>
+          <a:xfrm>
+            <a:off x="3412776" y="5490176"/>
+            <a:ext cx="5427406" cy="369332"/>
+          </a:xfrm>
+          <a:prstGeom prst="rect">
+            <a:avLst/>
+          </a:prstGeom>
+          <a:noFill/>
+        </p:spPr>
+        <p:txBody>
+          <a:bodyPr wrap="square" rtlCol="0">
+            <a:spAutoFit/>
+          </a:bodyPr>
+          <a:lstStyle/>
+          <a:p>
+            <a:r>
+              <a:rPr lang="en-US" dirty="0" smtClean="0">
+                <a:solidFill>
+                  <a:srgbClr val="FF0000"/>
+                </a:solidFill>
+              </a:rPr>
+              <a:t>There are more functions but these ones are key!</a:t>
+            </a:r>
+            <a:endParaRPr lang="en-US" dirty="0">
+              <a:solidFill>
+                <a:srgbClr val="FF0000"/>
+              </a:solidFill>
+            </a:endParaRPr>
+          </a:p>
+        </p:txBody>
+      </p:sp>
     </p:spTree>
     <p:extLst>
       <p:ext uri="{BB962C8B-B14F-4D97-AF65-F5344CB8AC3E}">
@@ -12314,14 +15142,6 @@
                         </a:rPr>
                         <a:t>*</a:t>
                       </a:r>
-                      <a:endParaRPr lang="en-US" sz="2200" b="0" dirty="0" smtClean="0">
-                        <a:solidFill>
-                          <a:schemeClr val="tx1"/>
-                        </a:solidFill>
-                        <a:latin typeface="Calibri" charset="0"/>
-                        <a:ea typeface="Calibri" charset="0"/>
-                        <a:cs typeface="Calibri" charset="0"/>
-                      </a:endParaRPr>
                     </a:p>
                   </a:txBody>
                   <a:tcPr>
@@ -12432,14 +15252,6 @@
                         </a:rPr>
                         <a:t>Data</a:t>
                       </a:r>
-                      <a:endParaRPr lang="en-US" sz="2200" b="1" dirty="0" smtClean="0">
-                        <a:solidFill>
-                          <a:schemeClr val="tx1"/>
-                        </a:solidFill>
-                        <a:latin typeface="Calibri" charset="0"/>
-                        <a:ea typeface="Calibri" charset="0"/>
-                        <a:cs typeface="Calibri" charset="0"/>
-                      </a:endParaRPr>
                     </a:p>
                   </a:txBody>
                   <a:tcPr>
@@ -12548,14 +15360,6 @@
                         </a:rPr>
                         <a:t>Geometrics</a:t>
                       </a:r>
-                      <a:endParaRPr lang="en-US" sz="2200" b="1" dirty="0" smtClean="0">
-                        <a:solidFill>
-                          <a:schemeClr val="tx1"/>
-                        </a:solidFill>
-                        <a:latin typeface="Calibri" charset="0"/>
-                        <a:ea typeface="Calibri" charset="0"/>
-                        <a:cs typeface="Calibri" charset="0"/>
-                      </a:endParaRPr>
                     </a:p>
                   </a:txBody>
                   <a:tcPr>
@@ -12692,14 +15496,6 @@
                         </a:rPr>
                         <a:t>Aesthetics</a:t>
                       </a:r>
-                      <a:endParaRPr lang="en-US" sz="2200" b="1" dirty="0" smtClean="0">
-                        <a:solidFill>
-                          <a:schemeClr val="tx1"/>
-                        </a:solidFill>
-                        <a:latin typeface="Calibri" charset="0"/>
-                        <a:ea typeface="Calibri" charset="0"/>
-                        <a:cs typeface="Calibri" charset="0"/>
-                      </a:endParaRPr>
                     </a:p>
                   </a:txBody>
                   <a:tcPr>

--- a/slides/day2_intro_to_tidyverse.pptx
+++ b/slides/day2_intro_to_tidyverse.pptx
@@ -5,7 +5,7 @@
     <p:sldMasterId id="2147483852" r:id="rId1"/>
   </p:sldMasterIdLst>
   <p:notesMasterIdLst>
-    <p:notesMasterId r:id="rId45"/>
+    <p:notesMasterId r:id="rId46"/>
   </p:notesMasterIdLst>
   <p:sldIdLst>
     <p:sldId id="258" r:id="rId2"/>
@@ -51,6 +51,7 @@
     <p:sldId id="311" r:id="rId42"/>
     <p:sldId id="303" r:id="rId43"/>
     <p:sldId id="305" r:id="rId44"/>
+    <p:sldId id="313" r:id="rId45"/>
   </p:sldIdLst>
   <p:sldSz cx="12192000" cy="6858000"/>
   <p:notesSz cx="6858000" cy="9144000"/>
@@ -239,7 +240,7 @@
           <a:p>
             <a:fld id="{2BB92E81-AA2E-714C-9612-8B6C5D9DE73B}" type="datetimeFigureOut">
               <a:rPr lang="en-US" smtClean="0"/>
-              <a:t>9/4/17</a:t>
+              <a:t>9/5/17</a:t>
             </a:fld>
             <a:endParaRPr lang="en-US"/>
           </a:p>
@@ -817,7 +818,7 @@
           <a:p>
             <a:fld id="{C273D10D-8B30-CE4D-869B-BCEF778BFD2B}" type="datetimeFigureOut">
               <a:rPr lang="en-US" smtClean="0"/>
-              <a:t>9/4/17</a:t>
+              <a:t>9/5/17</a:t>
             </a:fld>
             <a:endParaRPr lang="en-US"/>
           </a:p>
@@ -1020,7 +1021,7 @@
           <a:p>
             <a:fld id="{C273D10D-8B30-CE4D-869B-BCEF778BFD2B}" type="datetimeFigureOut">
               <a:rPr lang="en-US" smtClean="0"/>
-              <a:t>9/4/17</a:t>
+              <a:t>9/5/17</a:t>
             </a:fld>
             <a:endParaRPr lang="en-US"/>
           </a:p>
@@ -1271,7 +1272,7 @@
           <a:p>
             <a:fld id="{C273D10D-8B30-CE4D-869B-BCEF778BFD2B}" type="datetimeFigureOut">
               <a:rPr lang="en-US" smtClean="0"/>
-              <a:t>9/4/17</a:t>
+              <a:t>9/5/17</a:t>
             </a:fld>
             <a:endParaRPr lang="en-US"/>
           </a:p>
@@ -1449,7 +1450,7 @@
           <a:p>
             <a:fld id="{C273D10D-8B30-CE4D-869B-BCEF778BFD2B}" type="datetimeFigureOut">
               <a:rPr lang="en-US" smtClean="0"/>
-              <a:t>9/4/17</a:t>
+              <a:t>9/5/17</a:t>
             </a:fld>
             <a:endParaRPr lang="en-US"/>
           </a:p>
@@ -1794,7 +1795,7 @@
           <a:p>
             <a:fld id="{C273D10D-8B30-CE4D-869B-BCEF778BFD2B}" type="datetimeFigureOut">
               <a:rPr lang="en-US" smtClean="0"/>
-              <a:t>9/4/17</a:t>
+              <a:t>9/5/17</a:t>
             </a:fld>
             <a:endParaRPr lang="en-US"/>
           </a:p>
@@ -2064,7 +2065,7 @@
           <a:p>
             <a:fld id="{C273D10D-8B30-CE4D-869B-BCEF778BFD2B}" type="datetimeFigureOut">
               <a:rPr lang="en-US" smtClean="0"/>
-              <a:t>9/4/17</a:t>
+              <a:t>9/5/17</a:t>
             </a:fld>
             <a:endParaRPr lang="en-US"/>
           </a:p>
@@ -2438,7 +2439,7 @@
           <a:p>
             <a:fld id="{C273D10D-8B30-CE4D-869B-BCEF778BFD2B}" type="datetimeFigureOut">
               <a:rPr lang="en-US" smtClean="0"/>
-              <a:t>9/4/17</a:t>
+              <a:t>9/5/17</a:t>
             </a:fld>
             <a:endParaRPr lang="en-US"/>
           </a:p>
@@ -2551,7 +2552,7 @@
           <a:p>
             <a:fld id="{C273D10D-8B30-CE4D-869B-BCEF778BFD2B}" type="datetimeFigureOut">
               <a:rPr lang="en-US" smtClean="0"/>
-              <a:t>9/4/17</a:t>
+              <a:t>9/5/17</a:t>
             </a:fld>
             <a:endParaRPr lang="en-US"/>
           </a:p>
@@ -2717,7 +2718,7 @@
           <a:p>
             <a:fld id="{C273D10D-8B30-CE4D-869B-BCEF778BFD2B}" type="datetimeFigureOut">
               <a:rPr lang="en-US" smtClean="0"/>
-              <a:t>9/4/17</a:t>
+              <a:t>9/5/17</a:t>
             </a:fld>
             <a:endParaRPr lang="en-US"/>
           </a:p>
@@ -3066,7 +3067,7 @@
           <a:p>
             <a:fld id="{C273D10D-8B30-CE4D-869B-BCEF778BFD2B}" type="datetimeFigureOut">
               <a:rPr lang="en-US" smtClean="0"/>
-              <a:t>9/4/17</a:t>
+              <a:t>9/5/17</a:t>
             </a:fld>
             <a:endParaRPr lang="en-US"/>
           </a:p>
@@ -3438,7 +3439,7 @@
           <a:p>
             <a:fld id="{C273D10D-8B30-CE4D-869B-BCEF778BFD2B}" type="datetimeFigureOut">
               <a:rPr lang="en-US" smtClean="0"/>
-              <a:t>9/4/17</a:t>
+              <a:t>9/5/17</a:t>
             </a:fld>
             <a:endParaRPr lang="en-US"/>
           </a:p>
@@ -3725,7 +3726,7 @@
           <a:p>
             <a:fld id="{C273D10D-8B30-CE4D-869B-BCEF778BFD2B}" type="datetimeFigureOut">
               <a:rPr lang="en-US" smtClean="0"/>
-              <a:t>9/4/17</a:t>
+              <a:t>9/5/17</a:t>
             </a:fld>
             <a:endParaRPr lang="en-US"/>
           </a:p>
@@ -4293,11 +4294,7 @@
           <a:p>
             <a:r>
               <a:rPr lang="en-US" dirty="0" smtClean="0"/>
-              <a:t>bio5312 </a:t>
-            </a:r>
-            <a:r>
-              <a:rPr lang="en-US" dirty="0" smtClean="0"/>
-              <a:t>Fall2017</a:t>
+              <a:t>bio5312 Fall2017</a:t>
             </a:r>
           </a:p>
           <a:p>
@@ -4307,11 +4304,7 @@
             </a:r>
             <a:r>
               <a:rPr lang="en-US" dirty="0" smtClean="0"/>
-              <a:t> </a:t>
-            </a:r>
-            <a:r>
-              <a:rPr lang="en-US" dirty="0" smtClean="0"/>
-              <a:t>j. </a:t>
+              <a:t> j. </a:t>
             </a:r>
             <a:r>
               <a:rPr lang="en-US" dirty="0" err="1" smtClean="0"/>
@@ -11845,23 +11838,7 @@
                 <a:ea typeface="Monaco" charset="0"/>
                 <a:cs typeface="Monaco" charset="0"/>
               </a:rPr>
-              <a:t>ggplot(iris, aes(x = Species, fill = </a:t>
-            </a:r>
-            <a:r>
-              <a:rPr lang="is-IS" sz="1600" b="1" dirty="0" smtClean="0">
-                <a:latin typeface="Monaco" charset="0"/>
-                <a:ea typeface="Monaco" charset="0"/>
-                <a:cs typeface="Monaco" charset="0"/>
-              </a:rPr>
-              <a:t>Species)) </a:t>
-            </a:r>
-            <a:r>
-              <a:rPr lang="is-IS" sz="1600" b="1" dirty="0" smtClean="0">
-                <a:latin typeface="Monaco" charset="0"/>
-                <a:ea typeface="Monaco" charset="0"/>
-                <a:cs typeface="Monaco" charset="0"/>
-              </a:rPr>
-              <a:t>+ geom_bar()</a:t>
+              <a:t>ggplot(iris, aes(x = Species, fill = Species)) + geom_bar()</a:t>
             </a:r>
           </a:p>
           <a:p>
@@ -11978,7 +11955,6 @@
               <a:rPr lang="en-US" dirty="0"/>
               <a:t>Stacked/grouped bar plot</a:t>
             </a:r>
-            <a:endParaRPr lang="en-US" dirty="0"/>
           </a:p>
         </p:txBody>
       </p:sp>
@@ -12532,23 +12508,7 @@
                 <a:ea typeface="Monaco" charset="0"/>
                 <a:cs typeface="Monaco" charset="0"/>
               </a:rPr>
-              <a:t>ggplot(iris, aes(x = Species, fill = </a:t>
-            </a:r>
-            <a:r>
-              <a:rPr lang="is-IS" sz="1600" b="1" dirty="0" smtClean="0">
-                <a:latin typeface="Monaco" charset="0"/>
-                <a:ea typeface="Monaco" charset="0"/>
-                <a:cs typeface="Monaco" charset="0"/>
-              </a:rPr>
-              <a:t>size)) </a:t>
-            </a:r>
-            <a:r>
-              <a:rPr lang="is-IS" sz="1600" b="1" dirty="0" smtClean="0">
-                <a:latin typeface="Monaco" charset="0"/>
-                <a:ea typeface="Monaco" charset="0"/>
-                <a:cs typeface="Monaco" charset="0"/>
-              </a:rPr>
-              <a:t>+ geom_bar()</a:t>
+              <a:t>ggplot(iris, aes(x = Species, fill = size)) + geom_bar()</a:t>
             </a:r>
           </a:p>
           <a:p>
@@ -12701,31 +12661,7 @@
                 <a:ea typeface="Monaco" charset="0"/>
                 <a:cs typeface="Monaco" charset="0"/>
               </a:rPr>
-              <a:t>ggplot(iris, aes(x = Species, fill = </a:t>
-            </a:r>
-            <a:r>
-              <a:rPr lang="is-IS" sz="1600" b="1" dirty="0" smtClean="0">
-                <a:latin typeface="Monaco" charset="0"/>
-                <a:ea typeface="Monaco" charset="0"/>
-                <a:cs typeface="Monaco" charset="0"/>
-              </a:rPr>
-              <a:t>size)) </a:t>
-            </a:r>
-            <a:r>
-              <a:rPr lang="is-IS" sz="1600" b="1" dirty="0" smtClean="0">
-                <a:latin typeface="Monaco" charset="0"/>
-                <a:ea typeface="Monaco" charset="0"/>
-                <a:cs typeface="Monaco" charset="0"/>
-              </a:rPr>
-              <a:t>+ geom_bar</a:t>
-            </a:r>
-            <a:r>
-              <a:rPr lang="is-IS" sz="1600" b="1" dirty="0" smtClean="0">
-                <a:latin typeface="Monaco" charset="0"/>
-                <a:ea typeface="Monaco" charset="0"/>
-                <a:cs typeface="Monaco" charset="0"/>
-              </a:rPr>
-              <a:t>( </a:t>
+              <a:t>ggplot(iris, aes(x = Species, fill = size)) + geom_bar( </a:t>
             </a:r>
             <a:r>
               <a:rPr lang="is-IS" sz="1600" b="1" dirty="0" smtClean="0">
@@ -12746,11 +12682,6 @@
               </a:rPr>
               <a:t>)</a:t>
             </a:r>
-            <a:endParaRPr lang="is-IS" sz="1600" b="1" dirty="0" smtClean="0">
-              <a:latin typeface="Monaco" charset="0"/>
-              <a:ea typeface="Monaco" charset="0"/>
-              <a:cs typeface="Monaco" charset="0"/>
-            </a:endParaRPr>
           </a:p>
           <a:p>
             <a:r>
@@ -12906,7 +12837,23 @@
                 <a:ea typeface="Monaco" charset="0"/>
                 <a:cs typeface="Monaco" charset="0"/>
               </a:rPr>
-              <a:t>ggplot(iris, aes(x = Species, y = Sepal.Length, fill = Species)) + geom_density()</a:t>
+              <a:t>ggplot(iris, aes(x </a:t>
+            </a:r>
+            <a:r>
+              <a:rPr lang="is-IS" sz="1600" b="1" dirty="0" smtClean="0">
+                <a:latin typeface="Monaco" charset="0"/>
+                <a:ea typeface="Monaco" charset="0"/>
+                <a:cs typeface="Monaco" charset="0"/>
+              </a:rPr>
+              <a:t>= </a:t>
+            </a:r>
+            <a:r>
+              <a:rPr lang="is-IS" sz="1600" b="1" dirty="0" smtClean="0">
+                <a:latin typeface="Monaco" charset="0"/>
+                <a:ea typeface="Monaco" charset="0"/>
+                <a:cs typeface="Monaco" charset="0"/>
+              </a:rPr>
+              <a:t>Sepal.Length, fill = Species)) + geom_density()</a:t>
             </a:r>
             <a:endParaRPr lang="is-IS" sz="1600" b="1" dirty="0">
               <a:latin typeface="Monaco" charset="0"/>
@@ -12927,9 +12874,63 @@
           </a:p>
         </p:txBody>
       </p:sp>
+      <p:sp>
+        <p:nvSpPr>
+          <p:cNvPr id="7" name="TextBox 6"/>
+          <p:cNvSpPr txBox="1"/>
+          <p:nvPr/>
+        </p:nvSpPr>
+        <p:spPr>
+          <a:xfrm>
+            <a:off x="1097280" y="4907280"/>
+            <a:ext cx="5375190" cy="369332"/>
+          </a:xfrm>
+          <a:prstGeom prst="rect">
+            <a:avLst/>
+          </a:prstGeom>
+          <a:noFill/>
+        </p:spPr>
+        <p:txBody>
+          <a:bodyPr wrap="square" rtlCol="0">
+            <a:spAutoFit/>
+          </a:bodyPr>
+          <a:lstStyle/>
+          <a:p>
+            <a:r>
+              <a:rPr lang="en-US" dirty="0" smtClean="0">
+                <a:solidFill>
+                  <a:srgbClr val="FF0000"/>
+                </a:solidFill>
+              </a:rPr>
+              <a:t>What does the tail of the </a:t>
+            </a:r>
+            <a:r>
+              <a:rPr lang="en-US" dirty="0" err="1" smtClean="0">
+                <a:solidFill>
+                  <a:srgbClr val="FF0000"/>
+                </a:solidFill>
+              </a:rPr>
+              <a:t>setosa</a:t>
+            </a:r>
+            <a:r>
+              <a:rPr lang="en-US" dirty="0" smtClean="0">
+                <a:solidFill>
+                  <a:srgbClr val="FF0000"/>
+                </a:solidFill>
+              </a:rPr>
+              <a:t> distribution look like?</a:t>
+            </a:r>
+            <a:endParaRPr lang="en-US" dirty="0">
+              <a:solidFill>
+                <a:srgbClr val="FF0000"/>
+              </a:solidFill>
+            </a:endParaRPr>
+          </a:p>
+        </p:txBody>
+      </p:sp>
       <p:pic>
         <p:nvPicPr>
-          <p:cNvPr id="5" name="Picture 4"/>
+          <p:cNvPr id="6" name="Picture 5"/>
           <p:cNvPicPr>
             <a:picLocks noChangeAspect="1"/>
           </p:cNvPicPr>
@@ -12949,68 +12950,14 @@
         </p:blipFill>
         <p:spPr>
           <a:xfrm>
-            <a:off x="6492240" y="2847733"/>
-            <a:ext cx="5527590" cy="3450623"/>
+            <a:off x="8386862" y="2871797"/>
+            <a:ext cx="3431726" cy="3431726"/>
           </a:xfrm>
           <a:prstGeom prst="rect">
             <a:avLst/>
           </a:prstGeom>
         </p:spPr>
       </p:pic>
-      <p:sp>
-        <p:nvSpPr>
-          <p:cNvPr id="7" name="TextBox 6"/>
-          <p:cNvSpPr txBox="1"/>
-          <p:nvPr/>
-        </p:nvSpPr>
-        <p:spPr>
-          <a:xfrm>
-            <a:off x="1097280" y="4907280"/>
-            <a:ext cx="5375190" cy="369332"/>
-          </a:xfrm>
-          <a:prstGeom prst="rect">
-            <a:avLst/>
-          </a:prstGeom>
-          <a:noFill/>
-        </p:spPr>
-        <p:txBody>
-          <a:bodyPr wrap="square" rtlCol="0">
-            <a:spAutoFit/>
-          </a:bodyPr>
-          <a:lstStyle/>
-          <a:p>
-            <a:r>
-              <a:rPr lang="en-US" dirty="0" smtClean="0">
-                <a:solidFill>
-                  <a:srgbClr val="FF0000"/>
-                </a:solidFill>
-              </a:rPr>
-              <a:t>What does the tail of the </a:t>
-            </a:r>
-            <a:r>
-              <a:rPr lang="en-US" dirty="0" err="1" smtClean="0">
-                <a:solidFill>
-                  <a:srgbClr val="FF0000"/>
-                </a:solidFill>
-              </a:rPr>
-              <a:t>setosa</a:t>
-            </a:r>
-            <a:r>
-              <a:rPr lang="en-US" dirty="0" smtClean="0">
-                <a:solidFill>
-                  <a:srgbClr val="FF0000"/>
-                </a:solidFill>
-              </a:rPr>
-              <a:t> distribution look like?</a:t>
-            </a:r>
-            <a:endParaRPr lang="en-US" dirty="0">
-              <a:solidFill>
-                <a:srgbClr val="FF0000"/>
-              </a:solidFill>
-            </a:endParaRPr>
-          </a:p>
-        </p:txBody>
-      </p:sp>
     </p:spTree>
     <p:extLst>
       <p:ext uri="{BB962C8B-B14F-4D97-AF65-F5344CB8AC3E}">
@@ -13151,7 +13098,7 @@
         <p:spPr>
           <a:xfrm>
             <a:off x="576194" y="2040800"/>
-            <a:ext cx="11094720" cy="1077218"/>
+            <a:ext cx="11094720" cy="830997"/>
           </a:xfrm>
           <a:prstGeom prst="rect">
             <a:avLst/>
@@ -13185,18 +13132,39 @@
                 <a:ea typeface="Monaco" charset="0"/>
                 <a:cs typeface="Monaco" charset="0"/>
               </a:rPr>
-              <a:t>ggplot(iris, aes(x = Species, y = Sepal.Length, fill = Species)) + </a:t>
-            </a:r>
-          </a:p>
-          <a:p>
-            <a:pPr lvl="1"/>
+              <a:t>ggplot(iris, aes(x = </a:t>
+            </a:r>
             <a:r>
               <a:rPr lang="is-IS" sz="1600" b="1" dirty="0" smtClean="0">
                 <a:latin typeface="Monaco" charset="0"/>
                 <a:ea typeface="Monaco" charset="0"/>
                 <a:cs typeface="Monaco" charset="0"/>
               </a:rPr>
-              <a:t>geom_density( </a:t>
+              <a:t>Sepal.Length</a:t>
+            </a:r>
+            <a:r>
+              <a:rPr lang="is-IS" sz="1600" b="1" dirty="0" smtClean="0">
+                <a:latin typeface="Monaco" charset="0"/>
+                <a:ea typeface="Monaco" charset="0"/>
+                <a:cs typeface="Monaco" charset="0"/>
+              </a:rPr>
+              <a:t>, fill = Species)) + </a:t>
+            </a:r>
+            <a:r>
+              <a:rPr lang="is-IS" sz="1600" b="1" dirty="0" smtClean="0">
+                <a:latin typeface="Monaco" charset="0"/>
+                <a:ea typeface="Monaco" charset="0"/>
+                <a:cs typeface="Monaco" charset="0"/>
+              </a:rPr>
+              <a:t>geom_density</a:t>
+            </a:r>
+            <a:r>
+              <a:rPr lang="is-IS" sz="1600" b="1" dirty="0" smtClean="0">
+                <a:latin typeface="Monaco" charset="0"/>
+                <a:ea typeface="Monaco" charset="0"/>
+                <a:cs typeface="Monaco" charset="0"/>
+              </a:rPr>
+              <a:t>( </a:t>
             </a:r>
             <a:r>
               <a:rPr lang="is-IS" sz="1600" b="1" dirty="0" smtClean="0">
@@ -13238,7 +13206,7 @@
       </p:sp>
       <p:pic>
         <p:nvPicPr>
-          <p:cNvPr id="6" name="Picture 5"/>
+          <p:cNvPr id="5" name="Picture 4"/>
           <p:cNvPicPr>
             <a:picLocks noChangeAspect="1"/>
           </p:cNvPicPr>
@@ -13258,8 +13226,8 @@
         </p:blipFill>
         <p:spPr>
           <a:xfrm>
-            <a:off x="6130653" y="2731168"/>
-            <a:ext cx="5955302" cy="3717624"/>
+            <a:off x="8847963" y="2871797"/>
+            <a:ext cx="3344037" cy="3344037"/>
           </a:xfrm>
           <a:prstGeom prst="rect">
             <a:avLst/>
@@ -13283,6 +13251,190 @@
       </p:par>
     </p:tnLst>
   </p:timing>
+</p:sld>
+</file>
+
+<file path=ppt/slides/slide44.xml><?xml version="1.0" encoding="utf-8"?>
+<p:sld xmlns:a="http://schemas.openxmlformats.org/drawingml/2006/main" xmlns:r="http://schemas.openxmlformats.org/officeDocument/2006/relationships" xmlns:p="http://schemas.openxmlformats.org/presentationml/2006/main">
+  <p:cSld>
+    <p:spTree>
+      <p:nvGrpSpPr>
+        <p:cNvPr id="1" name=""/>
+        <p:cNvGrpSpPr/>
+        <p:nvPr/>
+      </p:nvGrpSpPr>
+      <p:grpSpPr>
+        <a:xfrm>
+          <a:off x="0" y="0"/>
+          <a:ext cx="0" cy="0"/>
+          <a:chOff x="0" y="0"/>
+          <a:chExt cx="0" cy="0"/>
+        </a:xfrm>
+      </p:grpSpPr>
+      <p:sp>
+        <p:nvSpPr>
+          <p:cNvPr id="2" name="Title 1"/>
+          <p:cNvSpPr>
+            <a:spLocks noGrp="1"/>
+          </p:cNvSpPr>
+          <p:nvPr>
+            <p:ph type="title"/>
+          </p:nvPr>
+        </p:nvSpPr>
+        <p:spPr/>
+        <p:txBody>
+          <a:bodyPr/>
+          <a:lstStyle/>
+          <a:p>
+            <a:r>
+              <a:rPr lang="en-US" dirty="0" smtClean="0"/>
+              <a:t>Themes</a:t>
+            </a:r>
+            <a:endParaRPr lang="en-US" dirty="0"/>
+          </a:p>
+        </p:txBody>
+      </p:sp>
+      <p:sp>
+        <p:nvSpPr>
+          <p:cNvPr id="3" name="Content Placeholder 2"/>
+          <p:cNvSpPr>
+            <a:spLocks noGrp="1"/>
+          </p:cNvSpPr>
+          <p:nvPr>
+            <p:ph idx="1"/>
+          </p:nvPr>
+        </p:nvSpPr>
+        <p:spPr/>
+        <p:txBody>
+          <a:bodyPr/>
+          <a:lstStyle/>
+          <a:p>
+            <a:r>
+              <a:rPr lang="en-US" dirty="0" smtClean="0"/>
+              <a:t>Gray background and grid not working for you? Me neither.</a:t>
+            </a:r>
+          </a:p>
+          <a:p>
+            <a:pPr lvl="1"/>
+            <a:endParaRPr lang="en-US" dirty="0" smtClean="0"/>
+          </a:p>
+          <a:p>
+            <a:pPr lvl="1"/>
+            <a:r>
+              <a:rPr lang="en-US" dirty="0" smtClean="0"/>
+              <a:t>Built-in other themes: </a:t>
+            </a:r>
+            <a:r>
+              <a:rPr lang="en-US" dirty="0">
+                <a:hlinkClick r:id="rId2"/>
+              </a:rPr>
+              <a:t>http://ggplot2.tidyverse.org/reference/</a:t>
+            </a:r>
+            <a:r>
+              <a:rPr lang="en-US" dirty="0" err="1">
+                <a:hlinkClick r:id="rId2"/>
+              </a:rPr>
+              <a:t>ggtheme.html</a:t>
+            </a:r>
+            <a:endParaRPr lang="en-US" dirty="0"/>
+          </a:p>
+          <a:p>
+            <a:pPr lvl="1"/>
+            <a:endParaRPr lang="en-US" dirty="0" smtClean="0"/>
+          </a:p>
+          <a:p>
+            <a:pPr lvl="1"/>
+            <a:r>
+              <a:rPr lang="en-US" dirty="0" smtClean="0"/>
+              <a:t>Customize your theme: </a:t>
+            </a:r>
+            <a:r>
+              <a:rPr lang="en-US" dirty="0">
+                <a:hlinkClick r:id="rId3"/>
+              </a:rPr>
+              <a:t>http://ggplot2.tidyverse.org/reference/theme.html</a:t>
+            </a:r>
+            <a:endParaRPr lang="en-US" dirty="0"/>
+          </a:p>
+          <a:p>
+            <a:pPr lvl="1"/>
+            <a:endParaRPr lang="en-US" dirty="0" smtClean="0"/>
+          </a:p>
+          <a:p>
+            <a:pPr lvl="1"/>
+            <a:r>
+              <a:rPr lang="en-US" dirty="0" smtClean="0"/>
+              <a:t>Use somebody else's themes:</a:t>
+            </a:r>
+          </a:p>
+          <a:p>
+            <a:pPr lvl="2"/>
+            <a:r>
+              <a:rPr lang="en-US" sz="1800" dirty="0">
+                <a:hlinkClick r:id="rId4"/>
+              </a:rPr>
+              <a:t>https://</a:t>
+            </a:r>
+            <a:r>
+              <a:rPr lang="en-US" sz="1800" dirty="0" smtClean="0">
+                <a:hlinkClick r:id="rId4"/>
+              </a:rPr>
+              <a:t>cran.r-project.org/web/packages/ggthemes/vignettes/ggthemes.html</a:t>
+            </a:r>
+            <a:endParaRPr lang="en-US" sz="1800" dirty="0" smtClean="0"/>
+          </a:p>
+          <a:p>
+            <a:pPr lvl="2"/>
+            <a:r>
+              <a:rPr lang="en-US" sz="1800" dirty="0">
+                <a:hlinkClick r:id="rId5"/>
+              </a:rPr>
+              <a:t>https://</a:t>
+            </a:r>
+            <a:r>
+              <a:rPr lang="en-US" sz="1800" dirty="0" err="1">
+                <a:hlinkClick r:id="rId5"/>
+              </a:rPr>
+              <a:t>cran.r-project.org</a:t>
+            </a:r>
+            <a:r>
+              <a:rPr lang="en-US" sz="1800" dirty="0">
+                <a:hlinkClick r:id="rId5"/>
+              </a:rPr>
+              <a:t>/web/packages/</a:t>
+            </a:r>
+            <a:r>
+              <a:rPr lang="en-US" sz="1800" dirty="0" err="1">
+                <a:hlinkClick r:id="rId5"/>
+              </a:rPr>
+              <a:t>cowplot</a:t>
+            </a:r>
+            <a:r>
+              <a:rPr lang="en-US" sz="1800" dirty="0">
+                <a:hlinkClick r:id="rId5"/>
+              </a:rPr>
+              <a:t>/vignettes/</a:t>
+            </a:r>
+            <a:r>
+              <a:rPr lang="en-US" sz="1800" dirty="0" err="1">
+                <a:hlinkClick r:id="rId5"/>
+              </a:rPr>
+              <a:t>introduction.html</a:t>
+            </a:r>
+            <a:endParaRPr lang="en-US" sz="1800" dirty="0"/>
+          </a:p>
+        </p:txBody>
+      </p:sp>
+    </p:spTree>
+    <p:extLst>
+      <p:ext uri="{BB962C8B-B14F-4D97-AF65-F5344CB8AC3E}">
+        <p14:creationId xmlns:p14="http://schemas.microsoft.com/office/powerpoint/2010/main" val="312021488"/>
+      </p:ext>
+    </p:extLst>
+  </p:cSld>
+  <p:clrMapOvr>
+    <a:masterClrMapping/>
+  </p:clrMapOvr>
 </p:sld>
 </file>
 
@@ -13793,14 +13945,6 @@
                         </a:rPr>
                         <a:t>tally()</a:t>
                       </a:r>
-                      <a:endParaRPr lang="en-US" b="1" dirty="0" smtClean="0">
-                        <a:solidFill>
-                          <a:schemeClr val="tx1"/>
-                        </a:solidFill>
-                        <a:latin typeface="Monaco" charset="0"/>
-                        <a:ea typeface="Monaco" charset="0"/>
-                        <a:cs typeface="Monaco" charset="0"/>
-                      </a:endParaRPr>
                     </a:p>
                   </a:txBody>
                   <a:tcPr>

--- a/slides/day2_intro_to_tidyverse.pptx
+++ b/slides/day2_intro_to_tidyverse.pptx
@@ -7386,7 +7386,18 @@
                 <a:ea typeface="Monaco" charset="0"/>
                 <a:cs typeface="Monaco" charset="0"/>
               </a:rPr>
-              <a:t>line = "brown" </a:t>
+              <a:t>color = </a:t>
+            </a:r>
+            <a:r>
+              <a:rPr lang="is-IS" sz="1600" b="1" dirty="0" smtClean="0">
+                <a:solidFill>
+                  <a:srgbClr val="945200"/>
+                </a:solidFill>
+                <a:latin typeface="Monaco" charset="0"/>
+                <a:ea typeface="Monaco" charset="0"/>
+                <a:cs typeface="Monaco" charset="0"/>
+              </a:rPr>
+              <a:t>"brown" </a:t>
             </a:r>
             <a:r>
               <a:rPr lang="is-IS" sz="1600" b="1" dirty="0" smtClean="0">
@@ -7905,7 +7916,23 @@
                 <a:ea typeface="Monaco" charset="0"/>
                 <a:cs typeface="Monaco" charset="0"/>
               </a:rPr>
-              <a:t>ggplot(iris, aes(x = "", y = Sepal.Length)) + geom_boxplot(color = "green")</a:t>
+              <a:t>ggplot(iris, aes(x = "", y = Sepal.Length)) + </a:t>
+            </a:r>
+            <a:r>
+              <a:rPr lang="is-IS" sz="1600" b="1" dirty="0" smtClean="0">
+                <a:latin typeface="Monaco" charset="0"/>
+                <a:ea typeface="Monaco" charset="0"/>
+                <a:cs typeface="Monaco" charset="0"/>
+              </a:rPr>
+              <a:t>geom_boxplot(fill </a:t>
+            </a:r>
+            <a:r>
+              <a:rPr lang="is-IS" sz="1600" b="1" dirty="0" smtClean="0">
+                <a:latin typeface="Monaco" charset="0"/>
+                <a:ea typeface="Monaco" charset="0"/>
+                <a:cs typeface="Monaco" charset="0"/>
+              </a:rPr>
+              <a:t>= "green")</a:t>
             </a:r>
             <a:endParaRPr lang="is-IS" sz="1600" b="1" dirty="0">
               <a:latin typeface="Monaco" charset="0"/>
@@ -8078,7 +8105,31 @@
                 <a:ea typeface="Monaco" charset="0"/>
                 <a:cs typeface="Monaco" charset="0"/>
               </a:rPr>
-              <a:t>, y = Sepal.Length)) + geom_boxplot(color = "green")</a:t>
+              <a:t>, y = Sepal.Length)) </a:t>
+            </a:r>
+            <a:r>
+              <a:rPr lang="is-IS" sz="1600" b="1" smtClean="0">
+                <a:latin typeface="Monaco" charset="0"/>
+                <a:ea typeface="Monaco" charset="0"/>
+                <a:cs typeface="Monaco" charset="0"/>
+              </a:rPr>
+              <a:t>+ </a:t>
+            </a:r>
+            <a:r>
+              <a:rPr lang="is-IS" sz="1600" b="1" smtClean="0">
+                <a:latin typeface="Monaco" charset="0"/>
+                <a:ea typeface="Monaco" charset="0"/>
+                <a:cs typeface="Monaco" charset="0"/>
+              </a:rPr>
+              <a:t>geom_boxplot(fill </a:t>
+            </a:r>
+            <a:r>
+              <a:rPr lang="is-IS" sz="1600" b="1" dirty="0" smtClean="0">
+                <a:latin typeface="Monaco" charset="0"/>
+                <a:ea typeface="Monaco" charset="0"/>
+                <a:cs typeface="Monaco" charset="0"/>
+              </a:rPr>
+              <a:t>= "green")</a:t>
             </a:r>
             <a:endParaRPr lang="is-IS" sz="1600" b="1" dirty="0">
               <a:latin typeface="Monaco" charset="0"/>
@@ -12837,23 +12888,7 @@
                 <a:ea typeface="Monaco" charset="0"/>
                 <a:cs typeface="Monaco" charset="0"/>
               </a:rPr>
-              <a:t>ggplot(iris, aes(x </a:t>
-            </a:r>
-            <a:r>
-              <a:rPr lang="is-IS" sz="1600" b="1" dirty="0" smtClean="0">
-                <a:latin typeface="Monaco" charset="0"/>
-                <a:ea typeface="Monaco" charset="0"/>
-                <a:cs typeface="Monaco" charset="0"/>
-              </a:rPr>
-              <a:t>= </a:t>
-            </a:r>
-            <a:r>
-              <a:rPr lang="is-IS" sz="1600" b="1" dirty="0" smtClean="0">
-                <a:latin typeface="Monaco" charset="0"/>
-                <a:ea typeface="Monaco" charset="0"/>
-                <a:cs typeface="Monaco" charset="0"/>
-              </a:rPr>
-              <a:t>Sepal.Length, fill = Species)) + geom_density()</a:t>
+              <a:t>ggplot(iris, aes(x = Sepal.Length, fill = Species)) + geom_density()</a:t>
             </a:r>
             <a:endParaRPr lang="is-IS" sz="1600" b="1" dirty="0">
               <a:latin typeface="Monaco" charset="0"/>
@@ -13132,39 +13167,7 @@
                 <a:ea typeface="Monaco" charset="0"/>
                 <a:cs typeface="Monaco" charset="0"/>
               </a:rPr>
-              <a:t>ggplot(iris, aes(x = </a:t>
-            </a:r>
-            <a:r>
-              <a:rPr lang="is-IS" sz="1600" b="1" dirty="0" smtClean="0">
-                <a:latin typeface="Monaco" charset="0"/>
-                <a:ea typeface="Monaco" charset="0"/>
-                <a:cs typeface="Monaco" charset="0"/>
-              </a:rPr>
-              <a:t>Sepal.Length</a:t>
-            </a:r>
-            <a:r>
-              <a:rPr lang="is-IS" sz="1600" b="1" dirty="0" smtClean="0">
-                <a:latin typeface="Monaco" charset="0"/>
-                <a:ea typeface="Monaco" charset="0"/>
-                <a:cs typeface="Monaco" charset="0"/>
-              </a:rPr>
-              <a:t>, fill = Species)) + </a:t>
-            </a:r>
-            <a:r>
-              <a:rPr lang="is-IS" sz="1600" b="1" dirty="0" smtClean="0">
-                <a:latin typeface="Monaco" charset="0"/>
-                <a:ea typeface="Monaco" charset="0"/>
-                <a:cs typeface="Monaco" charset="0"/>
-              </a:rPr>
-              <a:t>geom_density</a:t>
-            </a:r>
-            <a:r>
-              <a:rPr lang="is-IS" sz="1600" b="1" dirty="0" smtClean="0">
-                <a:latin typeface="Monaco" charset="0"/>
-                <a:ea typeface="Monaco" charset="0"/>
-                <a:cs typeface="Monaco" charset="0"/>
-              </a:rPr>
-              <a:t>( </a:t>
+              <a:t>ggplot(iris, aes(x = Sepal.Length, fill = Species)) + geom_density( </a:t>
             </a:r>
             <a:r>
               <a:rPr lang="is-IS" sz="1600" b="1" dirty="0" smtClean="0">
